--- a/presentation.pptx
+++ b/presentation.pptx
@@ -5,29 +5,34 @@
     <p:sldMasterId id="2147483648" r:id="rId4"/>
   </p:sldMasterIdLst>
   <p:notesMasterIdLst>
-    <p:notesMasterId r:id="rId10"/>
+    <p:notesMasterId r:id="rId11"/>
   </p:notesMasterIdLst>
   <p:sldIdLst>
     <p:sldId id="379" r:id="rId5"/>
     <p:sldId id="284" r:id="rId6"/>
-    <p:sldId id="3190" r:id="rId7"/>
-    <p:sldId id="3191" r:id="rId8"/>
-    <p:sldId id="383" r:id="rId9"/>
+    <p:sldId id="3193" r:id="rId7"/>
+    <p:sldId id="3190" r:id="rId8"/>
+    <p:sldId id="3191" r:id="rId9"/>
+    <p:sldId id="383" r:id="rId10"/>
   </p:sldIdLst>
   <p:sldSz cx="12192000" cy="6858000"/>
   <p:notesSz cx="6858000" cy="9144000"/>
   <p:embeddedFontLst>
     <p:embeddedFont>
       <p:font typeface="Slalom Sans" pitchFamily="2" charset="77"/>
-      <p:regular r:id="rId11"/>
+      <p:regular r:id="rId12"/>
     </p:embeddedFont>
     <p:embeddedFont>
       <p:font typeface="Slalom Sans Bold" pitchFamily="2" charset="77"/>
-      <p:bold r:id="rId12"/>
+      <p:bold r:id="rId13"/>
     </p:embeddedFont>
     <p:embeddedFont>
       <p:font typeface="Slalom Sans Light" pitchFamily="2" charset="77"/>
-      <p:regular r:id="rId13"/>
+      <p:regular r:id="rId14"/>
+    </p:embeddedFont>
+    <p:embeddedFont>
+      <p:font typeface="Slalom Sans Light Italic" pitchFamily="2" charset="77"/>
+      <p:italic r:id="rId15"/>
     </p:embeddedFont>
   </p:embeddedFontLst>
   <p:defaultTextStyle>
@@ -151,6 +156,7 @@
         <p14:section name="CONTENT" id="{2C7A89F7-0AD6-44BD-8CB5-49862C017157}">
           <p14:sldIdLst>
             <p14:sldId id="284"/>
+            <p14:sldId id="3193"/>
             <p14:sldId id="3190"/>
             <p14:sldId id="3191"/>
             <p14:sldId id="383"/>
@@ -319,7 +325,7 @@
             <a:fld id="{8F5E64C8-9D9E-4CF5-AA89-8B029B5028BE}" type="datetimeFigureOut">
               <a:rPr lang="en-GB" smtClean="0"/>
               <a:pPr/>
-              <a:t>09/11/2021</a:t>
+              <a:t>11/11/2021</a:t>
             </a:fld>
             <a:endParaRPr lang="en-GB" dirty="0"/>
           </a:p>
@@ -626,7 +632,7 @@
           <a:p>
             <a:fld id="{DB7EE005-9238-4EDB-8632-E512DDF58CAA}" type="datetime1">
               <a:rPr lang="en-GB" smtClean="0"/>
-              <a:t>09/11/2021</a:t>
+              <a:t>11/11/2021</a:t>
             </a:fld>
             <a:endParaRPr lang="en-GB"/>
           </a:p>
@@ -773,7 +779,7 @@
           <a:p>
             <a:fld id="{4552F92F-1A4C-4811-A2F0-0FC9FC2DF3E9}" type="datetime1">
               <a:rPr lang="en-GB" smtClean="0"/>
-              <a:t>09/11/2021</a:t>
+              <a:t>11/11/2021</a:t>
             </a:fld>
             <a:endParaRPr lang="en-GB"/>
           </a:p>
@@ -876,7 +882,7 @@
           <a:p>
             <a:fld id="{4552F92F-1A4C-4811-A2F0-0FC9FC2DF3E9}" type="datetime1">
               <a:rPr lang="en-GB" smtClean="0"/>
-              <a:t>09/11/2021</a:t>
+              <a:t>11/11/2021</a:t>
             </a:fld>
             <a:endParaRPr lang="en-GB"/>
           </a:p>
@@ -1020,7 +1026,7 @@
           <a:p>
             <a:fld id="{F6EF39B3-04F5-42A6-A55F-73F9A76E46F8}" type="datetime1">
               <a:rPr lang="en-GB" smtClean="0"/>
-              <a:t>09/11/2021</a:t>
+              <a:t>11/11/2021</a:t>
             </a:fld>
             <a:endParaRPr lang="en-GB"/>
           </a:p>
@@ -1173,7 +1179,7 @@
           <a:p>
             <a:fld id="{F6EF39B3-04F5-42A6-A55F-73F9A76E46F8}" type="datetime1">
               <a:rPr lang="en-GB" smtClean="0"/>
-              <a:t>09/11/2021</a:t>
+              <a:t>11/11/2021</a:t>
             </a:fld>
             <a:endParaRPr lang="en-GB"/>
           </a:p>
@@ -2330,7 +2336,7 @@
           <a:p>
             <a:fld id="{DB7EE005-9238-4EDB-8632-E512DDF58CAA}" type="datetime1">
               <a:rPr lang="en-GB" smtClean="0"/>
-              <a:t>09/11/2021</a:t>
+              <a:t>11/11/2021</a:t>
             </a:fld>
             <a:endParaRPr lang="en-GB"/>
           </a:p>
@@ -2647,7 +2653,7 @@
           <a:p>
             <a:fld id="{DB7EE005-9238-4EDB-8632-E512DDF58CAA}" type="datetime1">
               <a:rPr lang="en-GB" smtClean="0"/>
-              <a:t>09/11/2021</a:t>
+              <a:t>11/11/2021</a:t>
             </a:fld>
             <a:endParaRPr lang="en-GB"/>
           </a:p>
@@ -2840,7 +2846,7 @@
           <a:p>
             <a:fld id="{DB7EE005-9238-4EDB-8632-E512DDF58CAA}" type="datetime1">
               <a:rPr lang="en-GB" smtClean="0"/>
-              <a:t>09/11/2021</a:t>
+              <a:t>11/11/2021</a:t>
             </a:fld>
             <a:endParaRPr lang="en-GB"/>
           </a:p>
@@ -3117,7 +3123,7 @@
           <a:p>
             <a:fld id="{F6EF39B3-04F5-42A6-A55F-73F9A76E46F8}" type="datetime1">
               <a:rPr lang="en-GB" smtClean="0"/>
-              <a:t>09/11/2021</a:t>
+              <a:t>11/11/2021</a:t>
             </a:fld>
             <a:endParaRPr lang="en-GB"/>
           </a:p>
@@ -3251,7 +3257,7 @@
           <a:p>
             <a:fld id="{F6EF39B3-04F5-42A6-A55F-73F9A76E46F8}" type="datetime1">
               <a:rPr lang="en-GB" smtClean="0"/>
-              <a:t>09/11/2021</a:t>
+              <a:t>11/11/2021</a:t>
             </a:fld>
             <a:endParaRPr lang="en-GB"/>
           </a:p>
@@ -3595,7 +3601,7 @@
           <a:p>
             <a:fld id="{F6EF39B3-04F5-42A6-A55F-73F9A76E46F8}" type="datetime1">
               <a:rPr lang="en-GB" smtClean="0"/>
-              <a:t>09/11/2021</a:t>
+              <a:t>11/11/2021</a:t>
             </a:fld>
             <a:endParaRPr lang="en-GB"/>
           </a:p>
@@ -3746,7 +3752,7 @@
             <a:fld id="{F6DCCAE5-81E0-4F95-BC28-74328FF60048}" type="datetime1">
               <a:rPr lang="en-GB" smtClean="0"/>
               <a:pPr/>
-              <a:t>09/11/2021</a:t>
+              <a:t>11/11/2021</a:t>
             </a:fld>
             <a:endParaRPr lang="en-GB"/>
           </a:p>
@@ -3908,7 +3914,7 @@
           <a:p>
             <a:fld id="{F6EF39B3-04F5-42A6-A55F-73F9A76E46F8}" type="datetime1">
               <a:rPr lang="en-GB" smtClean="0"/>
-              <a:t>09/11/2021</a:t>
+              <a:t>11/11/2021</a:t>
             </a:fld>
             <a:endParaRPr lang="en-GB"/>
           </a:p>
@@ -4141,7 +4147,7 @@
           <a:p>
             <a:fld id="{1D8BD707-D9CF-40AE-B4C6-C98DA3205C09}" type="datetimeFigureOut">
               <a:rPr lang="en-US"/>
-              <a:t>11/9/21</a:t>
+              <a:t>11/11/21</a:t>
             </a:fld>
             <a:endParaRPr lang="en-US"/>
           </a:p>
@@ -4226,7 +4232,7 @@
           <a:p>
             <a:fld id="{DB7EE005-9238-4EDB-8632-E512DDF58CAA}" type="datetime1">
               <a:rPr lang="en-GB" smtClean="0"/>
-              <a:t>09/11/2021</a:t>
+              <a:t>11/11/2021</a:t>
             </a:fld>
             <a:endParaRPr lang="en-GB"/>
           </a:p>
@@ -4378,7 +4384,7 @@
             <a:fld id="{F6DCCAE5-81E0-4F95-BC28-74328FF60048}" type="datetime1">
               <a:rPr lang="en-GB" smtClean="0"/>
               <a:pPr/>
-              <a:t>09/11/2021</a:t>
+              <a:t>11/11/2021</a:t>
             </a:fld>
             <a:endParaRPr lang="en-GB"/>
           </a:p>
@@ -4568,7 +4574,7 @@
           <a:p>
             <a:fld id="{DB7EE005-9238-4EDB-8632-E512DDF58CAA}" type="datetime1">
               <a:rPr lang="en-GB" smtClean="0"/>
-              <a:t>09/11/2021</a:t>
+              <a:t>11/11/2021</a:t>
             </a:fld>
             <a:endParaRPr lang="en-GB"/>
           </a:p>
@@ -4688,7 +4694,7 @@
             <a:fld id="{F6DCCAE5-81E0-4F95-BC28-74328FF60048}" type="datetime1">
               <a:rPr lang="en-GB" smtClean="0"/>
               <a:pPr/>
-              <a:t>09/11/2021</a:t>
+              <a:t>11/11/2021</a:t>
             </a:fld>
             <a:endParaRPr lang="en-GB"/>
           </a:p>
@@ -4903,7 +4909,7 @@
           <a:p>
             <a:fld id="{F6EF39B3-04F5-42A6-A55F-73F9A76E46F8}" type="datetime1">
               <a:rPr lang="en-GB" smtClean="0"/>
-              <a:t>09/11/2021</a:t>
+              <a:t>11/11/2021</a:t>
             </a:fld>
             <a:endParaRPr lang="en-GB"/>
           </a:p>
@@ -5095,7 +5101,7 @@
           <a:p>
             <a:fld id="{4552F92F-1A4C-4811-A2F0-0FC9FC2DF3E9}" type="datetime1">
               <a:rPr lang="en-GB" smtClean="0"/>
-              <a:t>09/11/2021</a:t>
+              <a:t>11/11/2021</a:t>
             </a:fld>
             <a:endParaRPr lang="en-GB"/>
           </a:p>
@@ -5234,7 +5240,7 @@
           <a:p>
             <a:fld id="{4552F92F-1A4C-4811-A2F0-0FC9FC2DF3E9}" type="datetime1">
               <a:rPr lang="en-GB" smtClean="0"/>
-              <a:t>09/11/2021</a:t>
+              <a:t>11/11/2021</a:t>
             </a:fld>
             <a:endParaRPr lang="en-GB"/>
           </a:p>
@@ -5485,7 +5491,7 @@
           <a:p>
             <a:fld id="{F6EF39B3-04F5-42A6-A55F-73F9A76E46F8}" type="datetime1">
               <a:rPr lang="en-GB" smtClean="0"/>
-              <a:t>09/11/2021</a:t>
+              <a:t>11/11/2021</a:t>
             </a:fld>
             <a:endParaRPr lang="en-GB"/>
           </a:p>
@@ -6356,7 +6362,7 @@
                   <a:srgbClr val="151527"/>
                 </a:solidFill>
               </a:rPr>
-              <a:t>What is CI/CD?</a:t>
+              <a:t>Our Understanding</a:t>
             </a:r>
           </a:p>
         </p:txBody>
@@ -6370,7 +6376,7 @@
         <p:spPr>
           <a:xfrm>
             <a:off x="601740" y="3001618"/>
-            <a:ext cx="3508811" cy="2270164"/>
+            <a:ext cx="9050260" cy="2270164"/>
           </a:xfrm>
           <a:prstGeom prst="rect">
             <a:avLst/>
@@ -6381,27 +6387,6 @@
             <a:noAutofit/>
           </a:bodyPr>
           <a:lstStyle/>
-          <a:p>
-            <a:pPr marL="7700">
-              <a:spcBef>
-                <a:spcPts val="76"/>
-              </a:spcBef>
-            </a:pPr>
-            <a:r>
-              <a:rPr lang="en-US" sz="1200" b="1" dirty="0">
-                <a:solidFill>
-                  <a:srgbClr val="151527"/>
-                </a:solidFill>
-                <a:latin typeface="Slalom Sans Bold"/>
-                <a:cs typeface="Slalom Sans Bold"/>
-              </a:rPr>
-              <a:t>Continuous Integration (CI)</a:t>
-            </a:r>
-            <a:endParaRPr sz="1200" dirty="0">
-              <a:latin typeface="Slalom Sans"/>
-              <a:cs typeface="Slalom Sans"/>
-            </a:endParaRPr>
-          </a:p>
           <a:p>
             <a:pPr marL="7700" marR="44275">
               <a:lnSpc>
@@ -6412,126 +6397,47 @@
               </a:spcBef>
             </a:pPr>
             <a:r>
-              <a:rPr lang="en-US" sz="1200" dirty="0">
-                <a:solidFill>
-                  <a:srgbClr val="151527"/>
-                </a:solidFill>
+              <a:rPr lang="en-US" sz="1400" b="1" dirty="0" err="1">
+                <a:latin typeface="Slalom Sans Light Italic" pitchFamily="2" charset="77"/>
+                <a:cs typeface="SlalomSans-Light"/>
+              </a:rPr>
+              <a:t>UdaPeople</a:t>
+            </a:r>
+            <a:r>
+              <a:rPr lang="en-US" sz="1400" dirty="0">
                 <a:latin typeface="Slalom Sans Light" pitchFamily="2" charset="77"/>
                 <a:cs typeface="SlalomSans-Light"/>
               </a:rPr>
-              <a:t>"</a:t>
-            </a:r>
-            <a:r>
-              <a:rPr lang="en-US" sz="1200" dirty="0"/>
-              <a:t>Continuous integration (CI) is </a:t>
-            </a:r>
-            <a:r>
-              <a:rPr lang="en-US" sz="1200" b="1" dirty="0"/>
-              <a:t>the practice of automating the integration of code changes from multiple contributors into a single software project</a:t>
-            </a:r>
-            <a:r>
-              <a:rPr lang="en-US" sz="1200" dirty="0"/>
-              <a:t>. It's a primary DevOps best practice, allowing developers to frequently merge code changes into a central repository where builds and tests then run.”</a:t>
-            </a:r>
-            <a:endParaRPr lang="en-US" sz="1200" dirty="0">
-              <a:latin typeface="Slalom Sans Light" pitchFamily="2" charset="77"/>
-              <a:cs typeface="SlalomSans-Light"/>
-            </a:endParaRPr>
-          </a:p>
-        </p:txBody>
-      </p:sp>
-      <p:sp>
-        <p:nvSpPr>
-          <p:cNvPr id="8" name="object 5">
-            <a:extLst>
-              <a:ext uri="{FF2B5EF4-FFF2-40B4-BE49-F238E27FC236}">
-                <a16:creationId xmlns:a16="http://schemas.microsoft.com/office/drawing/2014/main" id="{9C9B0880-0942-BE44-B220-C443C4A02842}"/>
-              </a:ext>
-            </a:extLst>
-          </p:cNvPr>
-          <p:cNvSpPr txBox="1"/>
-          <p:nvPr/>
-        </p:nvSpPr>
-        <p:spPr>
-          <a:xfrm>
-            <a:off x="4305300" y="3001618"/>
-            <a:ext cx="3543300" cy="2270164"/>
-          </a:xfrm>
-          <a:prstGeom prst="rect">
-            <a:avLst/>
-          </a:prstGeom>
-        </p:spPr>
-        <p:txBody>
-          <a:bodyPr vert="horz" wrap="square" lIns="0" tIns="9625" rIns="0" bIns="0" rtlCol="0">
-            <a:noAutofit/>
-          </a:bodyPr>
-          <a:lstStyle/>
-          <a:p>
-            <a:pPr marL="7700">
-              <a:spcBef>
-                <a:spcPts val="76"/>
-              </a:spcBef>
-            </a:pPr>
-            <a:r>
-              <a:rPr lang="en-US" sz="1200" b="1" dirty="0">
-                <a:solidFill>
-                  <a:srgbClr val="151527"/>
-                </a:solidFill>
-                <a:latin typeface="Slalom Sans Bold"/>
-                <a:cs typeface="Slalom Sans Bold"/>
+              <a:t> is a revolutionary product for HR in small businesses enabling them to care better for their most valuable assets – their people. As such, a shift to </a:t>
+            </a:r>
+            <a:r>
+              <a:rPr lang="en-US" sz="1400" b="1" dirty="0">
+                <a:latin typeface="Slalom Sans Light Italic" pitchFamily="2" charset="77"/>
+                <a:cs typeface="SlalomSans-Light"/>
               </a:rPr>
-              <a:t>Continuous Deployment (CD)</a:t>
-            </a:r>
-            <a:endParaRPr lang="en-US" sz="1200" dirty="0">
-              <a:latin typeface="Slalom Sans"/>
-              <a:cs typeface="Slalom Sans"/>
-            </a:endParaRPr>
-          </a:p>
-          <a:p>
-            <a:pPr marL="7700" marR="44275">
-              <a:lnSpc>
-                <a:spcPct val="130000"/>
-              </a:lnSpc>
-              <a:spcBef>
-                <a:spcPts val="700"/>
-              </a:spcBef>
-            </a:pPr>
-            <a:r>
-              <a:rPr lang="en-US" sz="1100" dirty="0">
-                <a:solidFill>
-                  <a:srgbClr val="151527"/>
-                </a:solidFill>
+              <a:t>a cloud-based  business allowing for faster innovation and agility </a:t>
+            </a:r>
+            <a:r>
+              <a:rPr lang="en-US" sz="1400" dirty="0">
                 <a:latin typeface="Slalom Sans Light" pitchFamily="2" charset="77"/>
                 <a:cs typeface="SlalomSans-Light"/>
               </a:rPr>
-              <a:t>“</a:t>
-            </a:r>
-            <a:r>
-              <a:rPr lang="en-US" sz="1100" dirty="0"/>
-              <a:t>Continuous Deployment (CD) is </a:t>
-            </a:r>
-            <a:r>
-              <a:rPr lang="en-US" sz="1100" b="1" dirty="0"/>
-              <a:t>a software release process that uses automated testing to validate if changes to a codebase</a:t>
-            </a:r>
-            <a:r>
-              <a:rPr lang="en-US" sz="1100" dirty="0"/>
-              <a:t> are correct and stable for immediate autonomous deployment to a production environment. The software release cycle has evolved over time.</a:t>
-            </a:r>
-            <a:r>
-              <a:rPr lang="en-US" sz="1100" dirty="0">
-                <a:solidFill>
-                  <a:srgbClr val="151527"/>
-                </a:solidFill>
+              <a:t>is the only way forward. But such a form of technology only deems itself viable with the inclusion of an </a:t>
+            </a:r>
+            <a:r>
+              <a:rPr lang="en-US" sz="1400" b="1" dirty="0">
+                <a:latin typeface="Slalom Sans Light Italic" pitchFamily="2" charset="77"/>
+                <a:cs typeface="SlalomSans-Light"/>
+              </a:rPr>
+              <a:t>automated deployment system</a:t>
+            </a:r>
+            <a:r>
+              <a:rPr lang="en-US" sz="1400" dirty="0">
                 <a:latin typeface="Slalom Sans Light" pitchFamily="2" charset="77"/>
                 <a:cs typeface="SlalomSans-Light"/>
               </a:rPr>
-              <a:t>”</a:t>
-            </a:r>
-            <a:endParaRPr sz="1100" dirty="0">
-              <a:latin typeface="Slalom Sans Light" pitchFamily="2" charset="77"/>
-              <a:cs typeface="SlalomSans-Light"/>
-            </a:endParaRPr>
+              <a:t> that leverages industry best practices implement a model that allows elegant deployment of code with fewer errors, less time to market, more features for customers, all while adding no overhead for company employees and resources. </a:t>
+            </a:r>
           </a:p>
         </p:txBody>
       </p:sp>
@@ -6677,53 +6583,14 @@
                   <a:srgbClr val="151527"/>
                 </a:solidFill>
               </a:rPr>
-              <a:t>Benefits In Practice?</a:t>
-            </a:r>
-          </a:p>
-        </p:txBody>
-      </p:sp>
-      <p:sp>
-        <p:nvSpPr>
-          <p:cNvPr id="10" name="Footer Placeholder 1">
-            <a:extLst>
-              <a:ext uri="{FF2B5EF4-FFF2-40B4-BE49-F238E27FC236}">
-                <a16:creationId xmlns:a16="http://schemas.microsoft.com/office/drawing/2014/main" id="{437D13C3-C22F-2547-ADAD-E67DC8B8E805}"/>
-              </a:ext>
-            </a:extLst>
-          </p:cNvPr>
-          <p:cNvSpPr>
-            <a:spLocks noGrp="1"/>
-          </p:cNvSpPr>
-          <p:nvPr>
-            <p:ph type="ftr" sz="quarter" idx="11"/>
-          </p:nvPr>
-        </p:nvSpPr>
-        <p:spPr>
-          <a:xfrm>
-            <a:off x="609600" y="6330689"/>
-            <a:ext cx="4013200" cy="365125"/>
-          </a:xfrm>
-        </p:spPr>
-        <p:txBody>
-          <a:bodyPr/>
-          <a:lstStyle/>
-          <a:p>
-            <a:r>
-              <a:rPr lang="en-US" dirty="0"/>
-              <a:t>© 2021 Slalom, LLC CONFIDENTIAL &amp; PROPRIETARY</a:t>
-            </a:r>
-          </a:p>
-        </p:txBody>
-      </p:sp>
-      <p:sp>
-        <p:nvSpPr>
-          <p:cNvPr id="7" name="object 4">
-            <a:extLst>
-              <a:ext uri="{FF2B5EF4-FFF2-40B4-BE49-F238E27FC236}">
-                <a16:creationId xmlns:a16="http://schemas.microsoft.com/office/drawing/2014/main" id="{C4D6B148-FE35-8D4B-88E5-7F8B2BF80723}"/>
-              </a:ext>
-            </a:extLst>
-          </p:cNvPr>
+              <a:t>What is CI/CD?</a:t>
+            </a:r>
+          </a:p>
+        </p:txBody>
+      </p:sp>
+      <p:sp>
+        <p:nvSpPr>
+          <p:cNvPr id="6" name="object 4"/>
           <p:cNvSpPr txBox="1"/>
           <p:nvPr/>
         </p:nvSpPr>
@@ -6748,7 +6615,7 @@
               </a:spcBef>
             </a:pPr>
             <a:r>
-              <a:rPr lang="en-US" sz="1200" b="1" dirty="0">
+              <a:rPr lang="en-US" sz="1400" b="1" dirty="0">
                 <a:solidFill>
                   <a:srgbClr val="151527"/>
                 </a:solidFill>
@@ -6757,7 +6624,7 @@
               </a:rPr>
               <a:t>Continuous Integration (CI)</a:t>
             </a:r>
-            <a:endParaRPr sz="1200" dirty="0">
+            <a:endParaRPr sz="1400" dirty="0">
               <a:latin typeface="Slalom Sans"/>
               <a:cs typeface="Slalom Sans"/>
             </a:endParaRPr>
@@ -6772,579 +6639,40 @@
               </a:spcBef>
             </a:pPr>
             <a:r>
-              <a:rPr lang="en-US" sz="1100" dirty="0" err="1">
+              <a:rPr lang="en-US" sz="1400" dirty="0">
                 <a:solidFill>
                   <a:srgbClr val="151527"/>
                 </a:solidFill>
                 <a:latin typeface="Slalom Sans Light" pitchFamily="2" charset="77"/>
                 <a:cs typeface="SlalomSans-Light"/>
               </a:rPr>
-              <a:t>Beremod</a:t>
-            </a:r>
-            <a:r>
-              <a:rPr lang="en-US" sz="1100" dirty="0">
-                <a:solidFill>
-                  <a:srgbClr val="151527"/>
-                </a:solidFill>
-                <a:latin typeface="Slalom Sans Light" pitchFamily="2" charset="77"/>
-                <a:cs typeface="SlalomSans-Light"/>
-              </a:rPr>
-              <a:t> </a:t>
-            </a:r>
-            <a:r>
-              <a:rPr lang="en-US" sz="1100" dirty="0" err="1">
-                <a:solidFill>
-                  <a:srgbClr val="151527"/>
-                </a:solidFill>
-                <a:latin typeface="Slalom Sans Light" pitchFamily="2" charset="77"/>
-                <a:cs typeface="SlalomSans-Light"/>
-              </a:rPr>
-              <a:t>maximusaesto</a:t>
-            </a:r>
-            <a:r>
-              <a:rPr lang="en-US" sz="1100" dirty="0">
-                <a:solidFill>
-                  <a:srgbClr val="151527"/>
-                </a:solidFill>
-                <a:latin typeface="Slalom Sans Light" pitchFamily="2" charset="77"/>
-                <a:cs typeface="SlalomSans-Light"/>
-              </a:rPr>
-              <a:t> </a:t>
-            </a:r>
-            <a:r>
-              <a:rPr lang="en-US" sz="1100" dirty="0" err="1">
-                <a:solidFill>
-                  <a:srgbClr val="151527"/>
-                </a:solidFill>
-                <a:latin typeface="Slalom Sans Light" pitchFamily="2" charset="77"/>
-                <a:cs typeface="SlalomSans-Light"/>
-              </a:rPr>
-              <a:t>dunt</a:t>
-            </a:r>
-            <a:r>
-              <a:rPr lang="en-US" sz="1100" dirty="0">
-                <a:solidFill>
-                  <a:srgbClr val="151527"/>
-                </a:solidFill>
-                <a:latin typeface="Slalom Sans Light" pitchFamily="2" charset="77"/>
-                <a:cs typeface="SlalomSans-Light"/>
-              </a:rPr>
-              <a:t> </a:t>
-            </a:r>
-            <a:r>
-              <a:rPr lang="en-US" sz="1100" dirty="0" err="1">
-                <a:solidFill>
-                  <a:srgbClr val="151527"/>
-                </a:solidFill>
-                <a:latin typeface="Slalom Sans Light" pitchFamily="2" charset="77"/>
-                <a:cs typeface="SlalomSans-Light"/>
-              </a:rPr>
-              <a:t>labo</a:t>
-            </a:r>
-            <a:r>
-              <a:rPr lang="en-US" sz="1100" dirty="0">
-                <a:solidFill>
-                  <a:srgbClr val="151527"/>
-                </a:solidFill>
-                <a:latin typeface="Slalom Sans Light" pitchFamily="2" charset="77"/>
-                <a:cs typeface="SlalomSans-Light"/>
-              </a:rPr>
-              <a:t>. Et </a:t>
-            </a:r>
-            <a:r>
-              <a:rPr lang="en-US" sz="1100" dirty="0" err="1">
-                <a:solidFill>
-                  <a:srgbClr val="151527"/>
-                </a:solidFill>
-                <a:latin typeface="Slalom Sans Light" pitchFamily="2" charset="77"/>
-                <a:cs typeface="SlalomSans-Light"/>
-              </a:rPr>
-              <a:t>laborum</a:t>
-            </a:r>
-            <a:r>
-              <a:rPr lang="en-US" sz="1100" dirty="0">
-                <a:solidFill>
-                  <a:srgbClr val="151527"/>
-                </a:solidFill>
-                <a:latin typeface="Slalom Sans Light" pitchFamily="2" charset="77"/>
-                <a:cs typeface="SlalomSans-Light"/>
-              </a:rPr>
-              <a:t> que  </a:t>
-            </a:r>
-            <a:r>
-              <a:rPr lang="en-US" sz="1100" dirty="0" err="1">
-                <a:solidFill>
-                  <a:srgbClr val="151527"/>
-                </a:solidFill>
-                <a:latin typeface="Slalom Sans Light" pitchFamily="2" charset="77"/>
-                <a:cs typeface="SlalomSans-Light"/>
-              </a:rPr>
-              <a:t>parit</a:t>
-            </a:r>
-            <a:r>
-              <a:rPr lang="en-US" sz="1100" dirty="0">
-                <a:solidFill>
-                  <a:srgbClr val="151527"/>
-                </a:solidFill>
-                <a:latin typeface="Slalom Sans Light" pitchFamily="2" charset="77"/>
-                <a:cs typeface="SlalomSans-Light"/>
-              </a:rPr>
-              <a:t> </a:t>
-            </a:r>
-            <a:r>
-              <a:rPr lang="en-US" sz="1100" dirty="0" err="1">
-                <a:solidFill>
-                  <a:srgbClr val="151527"/>
-                </a:solidFill>
-                <a:latin typeface="Slalom Sans Light" pitchFamily="2" charset="77"/>
-                <a:cs typeface="SlalomSans-Light"/>
-              </a:rPr>
-              <a:t>invere</a:t>
-            </a:r>
-            <a:r>
-              <a:rPr lang="en-US" sz="1100" dirty="0">
-                <a:solidFill>
-                  <a:srgbClr val="151527"/>
-                </a:solidFill>
-                <a:latin typeface="Slalom Sans Light" pitchFamily="2" charset="77"/>
-                <a:cs typeface="SlalomSans-Light"/>
-              </a:rPr>
-              <a:t> </a:t>
-            </a:r>
-            <a:r>
-              <a:rPr lang="en-US" sz="1100" dirty="0" err="1">
-                <a:solidFill>
-                  <a:srgbClr val="151527"/>
-                </a:solidFill>
-                <a:latin typeface="Slalom Sans Light" pitchFamily="2" charset="77"/>
-                <a:cs typeface="SlalomSans-Light"/>
-              </a:rPr>
-              <a:t>nullit</a:t>
-            </a:r>
-            <a:r>
-              <a:rPr lang="en-US" sz="1100" dirty="0">
-                <a:solidFill>
-                  <a:srgbClr val="151527"/>
-                </a:solidFill>
-                <a:latin typeface="Slalom Sans Light" pitchFamily="2" charset="77"/>
-                <a:cs typeface="SlalomSans-Light"/>
-              </a:rPr>
-              <a:t> et, </a:t>
-            </a:r>
-            <a:r>
-              <a:rPr lang="en-US" sz="1100" dirty="0" err="1">
-                <a:solidFill>
-                  <a:srgbClr val="151527"/>
-                </a:solidFill>
-                <a:latin typeface="Slalom Sans Light" pitchFamily="2" charset="77"/>
-                <a:cs typeface="SlalomSans-Light"/>
-              </a:rPr>
-              <a:t>simporiatium</a:t>
-            </a:r>
-            <a:r>
-              <a:rPr lang="en-US" sz="1100" dirty="0">
-                <a:solidFill>
-                  <a:srgbClr val="151527"/>
-                </a:solidFill>
-                <a:latin typeface="Slalom Sans Light" pitchFamily="2" charset="77"/>
-                <a:cs typeface="SlalomSans-Light"/>
-              </a:rPr>
-              <a:t> et </a:t>
-            </a:r>
-            <a:r>
-              <a:rPr lang="en-US" sz="1100" dirty="0" err="1">
-                <a:solidFill>
-                  <a:srgbClr val="151527"/>
-                </a:solidFill>
-                <a:latin typeface="Slalom Sans Light" pitchFamily="2" charset="77"/>
-                <a:cs typeface="SlalomSans-Light"/>
-              </a:rPr>
-              <a:t>exceatibus</a:t>
-            </a:r>
-            <a:r>
-              <a:rPr lang="en-US" sz="1100" dirty="0">
-                <a:latin typeface="Slalom Sans Light" pitchFamily="2" charset="77"/>
-                <a:cs typeface="SlalomSans-Light"/>
-              </a:rPr>
-              <a:t> </a:t>
-            </a:r>
-            <a:r>
-              <a:rPr lang="en-US" sz="1100" dirty="0">
-                <a:solidFill>
-                  <a:srgbClr val="151527"/>
-                </a:solidFill>
-                <a:latin typeface="Slalom Sans Light" pitchFamily="2" charset="77"/>
-                <a:cs typeface="SlalomSans-Light"/>
-              </a:rPr>
-              <a:t>sim </a:t>
-            </a:r>
-            <a:r>
-              <a:rPr lang="en-US" sz="1100" dirty="0" err="1">
-                <a:solidFill>
-                  <a:srgbClr val="151527"/>
-                </a:solidFill>
-                <a:latin typeface="Slalom Sans Light" pitchFamily="2" charset="77"/>
-                <a:cs typeface="SlalomSans-Light"/>
-              </a:rPr>
-              <a:t>laborro</a:t>
-            </a:r>
-            <a:r>
-              <a:rPr lang="en-US" sz="1100" dirty="0">
-                <a:solidFill>
-                  <a:srgbClr val="151527"/>
-                </a:solidFill>
-                <a:latin typeface="Slalom Sans Light" pitchFamily="2" charset="77"/>
-                <a:cs typeface="SlalomSans-Light"/>
-              </a:rPr>
-              <a:t> to </a:t>
-            </a:r>
-            <a:r>
-              <a:rPr lang="en-US" sz="1100" dirty="0" err="1">
-                <a:solidFill>
-                  <a:srgbClr val="151527"/>
-                </a:solidFill>
-                <a:latin typeface="Slalom Sans Light" pitchFamily="2" charset="77"/>
-                <a:cs typeface="SlalomSans-Light"/>
-              </a:rPr>
-              <a:t>doluptiati</a:t>
-            </a:r>
-            <a:r>
-              <a:rPr lang="en-US" sz="1100" dirty="0">
-                <a:solidFill>
-                  <a:srgbClr val="151527"/>
-                </a:solidFill>
-                <a:latin typeface="Slalom Sans Light" pitchFamily="2" charset="77"/>
-                <a:cs typeface="SlalomSans-Light"/>
-              </a:rPr>
-              <a:t> </a:t>
-            </a:r>
-            <a:r>
-              <a:rPr lang="en-US" sz="1100" dirty="0" err="1">
-                <a:solidFill>
-                  <a:srgbClr val="151527"/>
-                </a:solidFill>
-                <a:latin typeface="Slalom Sans Light" pitchFamily="2" charset="77"/>
-                <a:cs typeface="SlalomSans-Light"/>
-              </a:rPr>
-              <a:t>optatincid</a:t>
-            </a:r>
-            <a:r>
-              <a:rPr lang="en-US" sz="1100" dirty="0">
-                <a:solidFill>
-                  <a:srgbClr val="151527"/>
-                </a:solidFill>
-                <a:latin typeface="Slalom Sans Light" pitchFamily="2" charset="77"/>
-                <a:cs typeface="SlalomSans-Light"/>
-              </a:rPr>
-              <a:t> </a:t>
-            </a:r>
-            <a:r>
-              <a:rPr lang="en-US" sz="1100" dirty="0" err="1">
-                <a:solidFill>
-                  <a:srgbClr val="151527"/>
-                </a:solidFill>
-                <a:latin typeface="Slalom Sans Light" pitchFamily="2" charset="77"/>
-                <a:cs typeface="SlalomSans-Light"/>
-              </a:rPr>
-              <a:t>ut</a:t>
-            </a:r>
-            <a:r>
-              <a:rPr lang="en-US" sz="1100" dirty="0">
-                <a:solidFill>
-                  <a:srgbClr val="151527"/>
-                </a:solidFill>
-                <a:latin typeface="Slalom Sans Light" pitchFamily="2" charset="77"/>
-                <a:cs typeface="SlalomSans-Light"/>
-              </a:rPr>
-              <a:t> ma </a:t>
-            </a:r>
-            <a:r>
-              <a:rPr lang="en-US" sz="1100" dirty="0" err="1">
-                <a:solidFill>
-                  <a:srgbClr val="151527"/>
-                </a:solidFill>
-                <a:latin typeface="Slalom Sans Light" pitchFamily="2" charset="77"/>
-                <a:cs typeface="SlalomSans-Light"/>
-              </a:rPr>
-              <a:t>simint</a:t>
-            </a:r>
-            <a:r>
-              <a:rPr lang="en-US" sz="1100" dirty="0">
-                <a:solidFill>
-                  <a:srgbClr val="151527"/>
-                </a:solidFill>
-                <a:latin typeface="Slalom Sans Light" pitchFamily="2" charset="77"/>
-                <a:cs typeface="SlalomSans-Light"/>
-              </a:rPr>
-              <a:t>.</a:t>
-            </a:r>
-            <a:endParaRPr lang="en-US" sz="1100" dirty="0">
+              <a:t>"</a:t>
+            </a:r>
+            <a:r>
+              <a:rPr lang="en-US" sz="1400" dirty="0"/>
+              <a:t>Continuous integration (CI) is </a:t>
+            </a:r>
+            <a:r>
+              <a:rPr lang="en-US" sz="1400" b="1" dirty="0"/>
+              <a:t>the practice of automating the integration of code changes from multiple contributors into a single software project</a:t>
+            </a:r>
+            <a:r>
+              <a:rPr lang="en-US" sz="1400" dirty="0"/>
+              <a:t>. It's a primary DevOps best practice, allowing developers to frequently merge code changes into a central repository where builds and tests then run.”</a:t>
+            </a:r>
+            <a:endParaRPr lang="en-US" sz="1400" dirty="0">
               <a:latin typeface="Slalom Sans Light" pitchFamily="2" charset="77"/>
               <a:cs typeface="SlalomSans-Light"/>
             </a:endParaRPr>
           </a:p>
-          <a:p>
-            <a:pPr marL="7700" marR="3080">
-              <a:lnSpc>
-                <a:spcPct val="130000"/>
-              </a:lnSpc>
-              <a:spcBef>
-                <a:spcPts val="700"/>
-              </a:spcBef>
-            </a:pPr>
-            <a:r>
-              <a:rPr lang="en-US" sz="1100" dirty="0" err="1">
-                <a:solidFill>
-                  <a:srgbClr val="151527"/>
-                </a:solidFill>
-                <a:latin typeface="Slalom Sans Light" pitchFamily="2" charset="77"/>
-                <a:cs typeface="SlalomSans-Light"/>
-              </a:rPr>
-              <a:t>Fuga</a:t>
-            </a:r>
-            <a:r>
-              <a:rPr lang="en-US" sz="1100" dirty="0">
-                <a:solidFill>
-                  <a:srgbClr val="151527"/>
-                </a:solidFill>
-                <a:latin typeface="Slalom Sans Light" pitchFamily="2" charset="77"/>
-                <a:cs typeface="SlalomSans-Light"/>
-              </a:rPr>
-              <a:t>. </a:t>
-            </a:r>
-            <a:r>
-              <a:rPr lang="en-US" sz="1100" dirty="0" err="1">
-                <a:solidFill>
-                  <a:srgbClr val="151527"/>
-                </a:solidFill>
-                <a:latin typeface="Slalom Sans Light" pitchFamily="2" charset="77"/>
-                <a:cs typeface="SlalomSans-Light"/>
-              </a:rPr>
-              <a:t>Nem</a:t>
-            </a:r>
-            <a:r>
-              <a:rPr lang="en-US" sz="1100" dirty="0">
-                <a:solidFill>
-                  <a:srgbClr val="151527"/>
-                </a:solidFill>
-                <a:latin typeface="Slalom Sans Light" pitchFamily="2" charset="77"/>
-                <a:cs typeface="SlalomSans-Light"/>
-              </a:rPr>
-              <a:t> </a:t>
-            </a:r>
-            <a:r>
-              <a:rPr lang="en-US" sz="1100" dirty="0" err="1">
-                <a:solidFill>
-                  <a:srgbClr val="151527"/>
-                </a:solidFill>
-                <a:latin typeface="Slalom Sans Light" pitchFamily="2" charset="77"/>
-                <a:cs typeface="SlalomSans-Light"/>
-              </a:rPr>
-              <a:t>necupta</a:t>
-            </a:r>
-            <a:r>
-              <a:rPr lang="en-US" sz="1100" dirty="0">
-                <a:solidFill>
-                  <a:srgbClr val="151527"/>
-                </a:solidFill>
-                <a:latin typeface="Slalom Sans Light" pitchFamily="2" charset="77"/>
-                <a:cs typeface="SlalomSans-Light"/>
-              </a:rPr>
-              <a:t> </a:t>
-            </a:r>
-            <a:r>
-              <a:rPr lang="en-US" sz="1100" dirty="0" err="1">
-                <a:solidFill>
-                  <a:srgbClr val="151527"/>
-                </a:solidFill>
-                <a:latin typeface="Slalom Sans Light" pitchFamily="2" charset="77"/>
-                <a:cs typeface="SlalomSans-Light"/>
-              </a:rPr>
-              <a:t>ius</a:t>
-            </a:r>
-            <a:r>
-              <a:rPr lang="en-US" sz="1100" dirty="0">
-                <a:solidFill>
-                  <a:srgbClr val="151527"/>
-                </a:solidFill>
-                <a:latin typeface="Slalom Sans Light" pitchFamily="2" charset="77"/>
-                <a:cs typeface="SlalomSans-Light"/>
-              </a:rPr>
-              <a:t> </a:t>
-            </a:r>
-            <a:r>
-              <a:rPr lang="en-US" sz="1100" dirty="0" err="1">
-                <a:solidFill>
-                  <a:srgbClr val="151527"/>
-                </a:solidFill>
-                <a:latin typeface="Slalom Sans Light" pitchFamily="2" charset="77"/>
-                <a:cs typeface="SlalomSans-Light"/>
-              </a:rPr>
-              <a:t>consequ</a:t>
-            </a:r>
-            <a:r>
-              <a:rPr lang="en-US" sz="1100" dirty="0">
-                <a:solidFill>
-                  <a:srgbClr val="151527"/>
-                </a:solidFill>
-                <a:latin typeface="Slalom Sans Light" pitchFamily="2" charset="77"/>
-                <a:cs typeface="SlalomSans-Light"/>
-              </a:rPr>
-              <a:t> </a:t>
-            </a:r>
-            <a:r>
-              <a:rPr lang="en-US" sz="1100" dirty="0" err="1">
-                <a:solidFill>
-                  <a:srgbClr val="151527"/>
-                </a:solidFill>
-                <a:latin typeface="Slalom Sans Light" pitchFamily="2" charset="77"/>
-                <a:cs typeface="SlalomSans-Light"/>
-              </a:rPr>
-              <a:t>osseritem</a:t>
-            </a:r>
-            <a:r>
-              <a:rPr lang="en-US" sz="1100" dirty="0">
-                <a:solidFill>
-                  <a:srgbClr val="151527"/>
-                </a:solidFill>
-                <a:latin typeface="Slalom Sans Light" pitchFamily="2" charset="77"/>
-                <a:cs typeface="SlalomSans-Light"/>
-              </a:rPr>
-              <a:t> </a:t>
-            </a:r>
-            <a:r>
-              <a:rPr lang="en-US" sz="1100" dirty="0" err="1">
-                <a:solidFill>
-                  <a:srgbClr val="151527"/>
-                </a:solidFill>
-                <a:latin typeface="Slalom Sans Light" pitchFamily="2" charset="77"/>
-                <a:cs typeface="SlalomSans-Light"/>
-              </a:rPr>
-              <a:t>quis</a:t>
-            </a:r>
-            <a:r>
-              <a:rPr lang="en-US" sz="1100" dirty="0">
-                <a:solidFill>
-                  <a:srgbClr val="151527"/>
-                </a:solidFill>
-                <a:latin typeface="Slalom Sans Light" pitchFamily="2" charset="77"/>
-                <a:cs typeface="SlalomSans-Light"/>
-              </a:rPr>
-              <a:t> </a:t>
-            </a:r>
-            <a:r>
-              <a:rPr lang="en-US" sz="1100" dirty="0" err="1">
-                <a:solidFill>
-                  <a:srgbClr val="151527"/>
-                </a:solidFill>
-                <a:latin typeface="Slalom Sans Light" pitchFamily="2" charset="77"/>
-                <a:cs typeface="SlalomSans-Light"/>
-              </a:rPr>
-              <a:t>eium</a:t>
-            </a:r>
-            <a:r>
-              <a:rPr lang="en-US" sz="1100" dirty="0">
-                <a:solidFill>
-                  <a:srgbClr val="151527"/>
-                </a:solidFill>
-                <a:latin typeface="Slalom Sans Light" pitchFamily="2" charset="77"/>
-                <a:cs typeface="SlalomSans-Light"/>
-              </a:rPr>
-              <a:t>  </a:t>
-            </a:r>
-            <a:r>
-              <a:rPr lang="en-US" sz="1100" dirty="0" err="1">
-                <a:solidFill>
-                  <a:srgbClr val="151527"/>
-                </a:solidFill>
-                <a:latin typeface="Slalom Sans Light" pitchFamily="2" charset="77"/>
-                <a:cs typeface="SlalomSans-Light"/>
-              </a:rPr>
-              <a:t>faceperibus</a:t>
-            </a:r>
-            <a:r>
-              <a:rPr lang="en-US" sz="1100" dirty="0">
-                <a:solidFill>
-                  <a:srgbClr val="151527"/>
-                </a:solidFill>
-                <a:latin typeface="Slalom Sans Light" pitchFamily="2" charset="77"/>
-                <a:cs typeface="SlalomSans-Light"/>
-              </a:rPr>
-              <a:t> </a:t>
-            </a:r>
-            <a:r>
-              <a:rPr sz="1100" dirty="0">
-                <a:solidFill>
-                  <a:srgbClr val="151527"/>
-                </a:solidFill>
-                <a:latin typeface="Slalom Sans Light" pitchFamily="2" charset="77"/>
-                <a:cs typeface="SlalomSans-Light"/>
-              </a:rPr>
-              <a:t>re </a:t>
-            </a:r>
-            <a:r>
-              <a:rPr lang="en-US" sz="1100" dirty="0">
-                <a:solidFill>
-                  <a:srgbClr val="151527"/>
-                </a:solidFill>
-                <a:latin typeface="Slalom Sans Light" pitchFamily="2" charset="77"/>
-                <a:cs typeface="SlalomSans-Light"/>
-              </a:rPr>
-              <a:t>lab il </a:t>
-            </a:r>
-            <a:r>
-              <a:rPr lang="en-US" sz="1100" dirty="0" err="1">
-                <a:solidFill>
-                  <a:srgbClr val="151527"/>
-                </a:solidFill>
-                <a:latin typeface="Slalom Sans Light" pitchFamily="2" charset="77"/>
-                <a:cs typeface="SlalomSans-Light"/>
-              </a:rPr>
-              <a:t>idi</a:t>
-            </a:r>
-            <a:r>
-              <a:rPr lang="en-US" sz="1100" dirty="0">
-                <a:solidFill>
-                  <a:srgbClr val="151527"/>
-                </a:solidFill>
-                <a:latin typeface="Slalom Sans Light" pitchFamily="2" charset="77"/>
-                <a:cs typeface="SlalomSans-Light"/>
-              </a:rPr>
-              <a:t> </a:t>
-            </a:r>
-            <a:r>
-              <a:rPr lang="en-US" sz="1100" dirty="0" err="1">
-                <a:solidFill>
-                  <a:srgbClr val="151527"/>
-                </a:solidFill>
-                <a:latin typeface="Slalom Sans Light" pitchFamily="2" charset="77"/>
-                <a:cs typeface="SlalomSans-Light"/>
-              </a:rPr>
-              <a:t>reratem</a:t>
-            </a:r>
-            <a:r>
-              <a:rPr lang="en-US" sz="1100" dirty="0">
-                <a:solidFill>
-                  <a:srgbClr val="151527"/>
-                </a:solidFill>
-                <a:latin typeface="Slalom Sans Light" pitchFamily="2" charset="77"/>
-                <a:cs typeface="SlalomSans-Light"/>
-              </a:rPr>
-              <a:t> ipsum.</a:t>
-            </a:r>
-            <a:endParaRPr lang="en-US" sz="1100" dirty="0">
-              <a:latin typeface="Slalom Sans Light" pitchFamily="2" charset="77"/>
-              <a:cs typeface="SlalomSans-Light"/>
-            </a:endParaRPr>
-          </a:p>
-        </p:txBody>
-      </p:sp>
-      <p:sp>
-        <p:nvSpPr>
-          <p:cNvPr id="9" name="object 5">
+        </p:txBody>
+      </p:sp>
+      <p:sp>
+        <p:nvSpPr>
+          <p:cNvPr id="8" name="object 5">
             <a:extLst>
               <a:ext uri="{FF2B5EF4-FFF2-40B4-BE49-F238E27FC236}">
-                <a16:creationId xmlns:a16="http://schemas.microsoft.com/office/drawing/2014/main" id="{BEF8A98C-509F-E74B-B1ED-6C82118C1B91}"/>
+                <a16:creationId xmlns:a16="http://schemas.microsoft.com/office/drawing/2014/main" id="{9C9B0880-0942-BE44-B220-C443C4A02842}"/>
               </a:ext>
             </a:extLst>
           </p:cNvPr>
@@ -7372,7 +6700,7 @@
               </a:spcBef>
             </a:pPr>
             <a:r>
-              <a:rPr lang="en-US" sz="1200" b="1" dirty="0">
+              <a:rPr lang="en-US" sz="1400" b="1" dirty="0">
                 <a:solidFill>
                   <a:srgbClr val="151527"/>
                 </a:solidFill>
@@ -7381,7 +6709,7 @@
               </a:rPr>
               <a:t>Continuous Deployment (CD)</a:t>
             </a:r>
-            <a:endParaRPr lang="en-US" sz="1200" dirty="0">
+            <a:endParaRPr lang="en-US" sz="1400" dirty="0">
               <a:latin typeface="Slalom Sans"/>
               <a:cs typeface="Slalom Sans"/>
             </a:endParaRPr>
@@ -7396,567 +6724,81 @@
               </a:spcBef>
             </a:pPr>
             <a:r>
-              <a:rPr lang="en-US" sz="1100" dirty="0" err="1">
+              <a:rPr lang="en-US" sz="1400" dirty="0">
                 <a:solidFill>
                   <a:srgbClr val="151527"/>
                 </a:solidFill>
                 <a:latin typeface="Slalom Sans Light" pitchFamily="2" charset="77"/>
                 <a:cs typeface="SlalomSans-Light"/>
               </a:rPr>
-              <a:t>Beremod</a:t>
-            </a:r>
-            <a:r>
-              <a:rPr sz="1100" dirty="0">
+              <a:t>“</a:t>
+            </a:r>
+            <a:r>
+              <a:rPr lang="en-US" sz="1400" dirty="0"/>
+              <a:t>Continuous Deployment (CD) is </a:t>
+            </a:r>
+            <a:r>
+              <a:rPr lang="en-US" sz="1400" b="1" dirty="0"/>
+              <a:t>a software release process that uses automated testing to validate if changes to a codebase</a:t>
+            </a:r>
+            <a:r>
+              <a:rPr lang="en-US" sz="1400" dirty="0"/>
+              <a:t> are correct and stable for immediate autonomous deployment to a production environment. The software release cycle has evolved over time.</a:t>
+            </a:r>
+            <a:r>
+              <a:rPr lang="en-US" sz="1400" dirty="0">
                 <a:solidFill>
                   <a:srgbClr val="151527"/>
                 </a:solidFill>
                 <a:latin typeface="Slalom Sans Light" pitchFamily="2" charset="77"/>
                 <a:cs typeface="SlalomSans-Light"/>
               </a:rPr>
-              <a:t> </a:t>
-            </a:r>
-            <a:r>
-              <a:rPr lang="en-US" sz="1100" dirty="0" err="1">
-                <a:solidFill>
-                  <a:srgbClr val="151527"/>
-                </a:solidFill>
-                <a:latin typeface="Slalom Sans Light" pitchFamily="2" charset="77"/>
-                <a:cs typeface="SlalomSans-Light"/>
-              </a:rPr>
-              <a:t>maximusaesto</a:t>
-            </a:r>
-            <a:r>
-              <a:rPr sz="1100" dirty="0">
-                <a:solidFill>
-                  <a:srgbClr val="151527"/>
-                </a:solidFill>
-                <a:latin typeface="Slalom Sans Light" pitchFamily="2" charset="77"/>
-                <a:cs typeface="SlalomSans-Light"/>
-              </a:rPr>
-              <a:t> </a:t>
-            </a:r>
-            <a:r>
-              <a:rPr lang="en-US" sz="1100" dirty="0" err="1">
-                <a:solidFill>
-                  <a:srgbClr val="151527"/>
-                </a:solidFill>
-                <a:latin typeface="Slalom Sans Light" pitchFamily="2" charset="77"/>
-                <a:cs typeface="SlalomSans-Light"/>
-              </a:rPr>
-              <a:t>dunt</a:t>
-            </a:r>
-            <a:r>
-              <a:rPr sz="1100" dirty="0">
-                <a:solidFill>
-                  <a:srgbClr val="151527"/>
-                </a:solidFill>
-                <a:latin typeface="Slalom Sans Light" pitchFamily="2" charset="77"/>
-                <a:cs typeface="SlalomSans-Light"/>
-              </a:rPr>
-              <a:t> </a:t>
-            </a:r>
-            <a:r>
-              <a:rPr lang="en-US" sz="1100" dirty="0" err="1">
-                <a:solidFill>
-                  <a:srgbClr val="151527"/>
-                </a:solidFill>
-                <a:latin typeface="Slalom Sans Light" pitchFamily="2" charset="77"/>
-                <a:cs typeface="SlalomSans-Light"/>
-              </a:rPr>
-              <a:t>labo</a:t>
-            </a:r>
-            <a:r>
-              <a:rPr sz="1100" dirty="0">
-                <a:solidFill>
-                  <a:srgbClr val="151527"/>
-                </a:solidFill>
-                <a:latin typeface="Slalom Sans Light" pitchFamily="2" charset="77"/>
-                <a:cs typeface="SlalomSans-Light"/>
-              </a:rPr>
-              <a:t>. Et </a:t>
-            </a:r>
-            <a:r>
-              <a:rPr lang="en-US" sz="1100" dirty="0" err="1">
-                <a:solidFill>
-                  <a:srgbClr val="151527"/>
-                </a:solidFill>
-                <a:latin typeface="Slalom Sans Light" pitchFamily="2" charset="77"/>
-                <a:cs typeface="SlalomSans-Light"/>
-              </a:rPr>
-              <a:t>laborum</a:t>
-            </a:r>
-            <a:r>
-              <a:rPr sz="1100" dirty="0">
-                <a:solidFill>
-                  <a:srgbClr val="151527"/>
-                </a:solidFill>
-                <a:latin typeface="Slalom Sans Light" pitchFamily="2" charset="77"/>
-                <a:cs typeface="SlalomSans-Light"/>
-              </a:rPr>
-              <a:t> que  </a:t>
-            </a:r>
-            <a:r>
-              <a:rPr lang="en-US" sz="1100" dirty="0" err="1">
-                <a:solidFill>
-                  <a:srgbClr val="151527"/>
-                </a:solidFill>
-                <a:latin typeface="Slalom Sans Light" pitchFamily="2" charset="77"/>
-                <a:cs typeface="SlalomSans-Light"/>
-              </a:rPr>
-              <a:t>parit</a:t>
-            </a:r>
-            <a:r>
-              <a:rPr sz="1100" dirty="0">
-                <a:solidFill>
-                  <a:srgbClr val="151527"/>
-                </a:solidFill>
-                <a:latin typeface="Slalom Sans Light" pitchFamily="2" charset="77"/>
-                <a:cs typeface="SlalomSans-Light"/>
-              </a:rPr>
-              <a:t> </a:t>
-            </a:r>
-            <a:r>
-              <a:rPr lang="en-US" sz="1100" dirty="0" err="1">
-                <a:solidFill>
-                  <a:srgbClr val="151527"/>
-                </a:solidFill>
-                <a:latin typeface="Slalom Sans Light" pitchFamily="2" charset="77"/>
-                <a:cs typeface="SlalomSans-Light"/>
-              </a:rPr>
-              <a:t>invere</a:t>
-            </a:r>
-            <a:r>
-              <a:rPr sz="1100" dirty="0">
-                <a:solidFill>
-                  <a:srgbClr val="151527"/>
-                </a:solidFill>
-                <a:latin typeface="Slalom Sans Light" pitchFamily="2" charset="77"/>
-                <a:cs typeface="SlalomSans-Light"/>
-              </a:rPr>
-              <a:t> </a:t>
-            </a:r>
-            <a:r>
-              <a:rPr lang="en-US" sz="1100" dirty="0" err="1">
-                <a:solidFill>
-                  <a:srgbClr val="151527"/>
-                </a:solidFill>
-                <a:latin typeface="Slalom Sans Light" pitchFamily="2" charset="77"/>
-                <a:cs typeface="SlalomSans-Light"/>
-              </a:rPr>
-              <a:t>nullit</a:t>
-            </a:r>
-            <a:r>
-              <a:rPr sz="1100" dirty="0">
-                <a:solidFill>
-                  <a:srgbClr val="151527"/>
-                </a:solidFill>
-                <a:latin typeface="Slalom Sans Light" pitchFamily="2" charset="77"/>
-                <a:cs typeface="SlalomSans-Light"/>
-              </a:rPr>
-              <a:t> et, </a:t>
-            </a:r>
-            <a:r>
-              <a:rPr lang="en-US" sz="1100" dirty="0" err="1">
-                <a:solidFill>
-                  <a:srgbClr val="151527"/>
-                </a:solidFill>
-                <a:latin typeface="Slalom Sans Light" pitchFamily="2" charset="77"/>
-                <a:cs typeface="SlalomSans-Light"/>
-              </a:rPr>
-              <a:t>simporiatium</a:t>
-            </a:r>
-            <a:r>
-              <a:rPr sz="1100" dirty="0">
-                <a:solidFill>
-                  <a:srgbClr val="151527"/>
-                </a:solidFill>
-                <a:latin typeface="Slalom Sans Light" pitchFamily="2" charset="77"/>
-                <a:cs typeface="SlalomSans-Light"/>
-              </a:rPr>
-              <a:t> et </a:t>
-            </a:r>
-            <a:r>
-              <a:rPr lang="en-US" sz="1100" dirty="0" err="1">
-                <a:solidFill>
-                  <a:srgbClr val="151527"/>
-                </a:solidFill>
-                <a:latin typeface="Slalom Sans Light" pitchFamily="2" charset="77"/>
-                <a:cs typeface="SlalomSans-Light"/>
-              </a:rPr>
-              <a:t>exceatibus</a:t>
-            </a:r>
-            <a:r>
-              <a:rPr lang="en-US" sz="1100" dirty="0">
-                <a:latin typeface="Slalom Sans Light" pitchFamily="2" charset="77"/>
-                <a:cs typeface="SlalomSans-Light"/>
-              </a:rPr>
-              <a:t> </a:t>
-            </a:r>
-            <a:r>
-              <a:rPr sz="1100" dirty="0">
-                <a:solidFill>
-                  <a:srgbClr val="151527"/>
-                </a:solidFill>
-                <a:latin typeface="Slalom Sans Light" pitchFamily="2" charset="77"/>
-                <a:cs typeface="SlalomSans-Light"/>
-              </a:rPr>
-              <a:t>sim </a:t>
-            </a:r>
-            <a:r>
-              <a:rPr lang="en-US" sz="1100" dirty="0" err="1">
-                <a:solidFill>
-                  <a:srgbClr val="151527"/>
-                </a:solidFill>
-                <a:latin typeface="Slalom Sans Light" pitchFamily="2" charset="77"/>
-                <a:cs typeface="SlalomSans-Light"/>
-              </a:rPr>
-              <a:t>laborro</a:t>
-            </a:r>
-            <a:r>
-              <a:rPr sz="1100" dirty="0">
-                <a:solidFill>
-                  <a:srgbClr val="151527"/>
-                </a:solidFill>
-                <a:latin typeface="Slalom Sans Light" pitchFamily="2" charset="77"/>
-                <a:cs typeface="SlalomSans-Light"/>
-              </a:rPr>
-              <a:t> to </a:t>
-            </a:r>
-            <a:r>
-              <a:rPr sz="1100" dirty="0" err="1">
-                <a:solidFill>
-                  <a:srgbClr val="151527"/>
-                </a:solidFill>
-                <a:latin typeface="Slalom Sans Light" pitchFamily="2" charset="77"/>
-                <a:cs typeface="SlalomSans-Light"/>
-              </a:rPr>
-              <a:t>doluptiati</a:t>
-            </a:r>
-            <a:r>
-              <a:rPr sz="1100" dirty="0">
-                <a:solidFill>
-                  <a:srgbClr val="151527"/>
-                </a:solidFill>
-                <a:latin typeface="Slalom Sans Light" pitchFamily="2" charset="77"/>
-                <a:cs typeface="SlalomSans-Light"/>
-              </a:rPr>
-              <a:t> </a:t>
-            </a:r>
-            <a:r>
-              <a:rPr sz="1100" dirty="0" err="1">
-                <a:solidFill>
-                  <a:srgbClr val="151527"/>
-                </a:solidFill>
-                <a:latin typeface="Slalom Sans Light" pitchFamily="2" charset="77"/>
-                <a:cs typeface="SlalomSans-Light"/>
-              </a:rPr>
-              <a:t>optatincid</a:t>
-            </a:r>
-            <a:r>
-              <a:rPr sz="1100" dirty="0">
-                <a:solidFill>
-                  <a:srgbClr val="151527"/>
-                </a:solidFill>
-                <a:latin typeface="Slalom Sans Light" pitchFamily="2" charset="77"/>
-                <a:cs typeface="SlalomSans-Light"/>
-              </a:rPr>
-              <a:t> </a:t>
-            </a:r>
-            <a:r>
-              <a:rPr lang="en-US" sz="1100" dirty="0" err="1">
-                <a:solidFill>
-                  <a:srgbClr val="151527"/>
-                </a:solidFill>
-                <a:latin typeface="Slalom Sans Light" pitchFamily="2" charset="77"/>
-                <a:cs typeface="SlalomSans-Light"/>
-              </a:rPr>
-              <a:t>ut</a:t>
-            </a:r>
-            <a:r>
-              <a:rPr sz="1100" dirty="0">
-                <a:solidFill>
-                  <a:srgbClr val="151527"/>
-                </a:solidFill>
-                <a:latin typeface="Slalom Sans Light" pitchFamily="2" charset="77"/>
-                <a:cs typeface="SlalomSans-Light"/>
-              </a:rPr>
-              <a:t> ma </a:t>
-            </a:r>
-            <a:r>
-              <a:rPr sz="1100" dirty="0" err="1">
-                <a:solidFill>
-                  <a:srgbClr val="151527"/>
-                </a:solidFill>
-                <a:latin typeface="Slalom Sans Light" pitchFamily="2" charset="77"/>
-                <a:cs typeface="SlalomSans-Light"/>
-              </a:rPr>
-              <a:t>simint</a:t>
-            </a:r>
-            <a:r>
-              <a:rPr lang="en-US" sz="1100" dirty="0">
-                <a:solidFill>
-                  <a:srgbClr val="151527"/>
-                </a:solidFill>
-                <a:latin typeface="Slalom Sans Light" pitchFamily="2" charset="77"/>
-                <a:cs typeface="SlalomSans-Light"/>
-              </a:rPr>
-              <a:t>.</a:t>
-            </a:r>
-            <a:endParaRPr sz="1100" dirty="0">
+              <a:t>”</a:t>
+            </a:r>
+            <a:endParaRPr sz="1400" dirty="0">
               <a:latin typeface="Slalom Sans Light" pitchFamily="2" charset="77"/>
               <a:cs typeface="SlalomSans-Light"/>
             </a:endParaRPr>
           </a:p>
-          <a:p>
-            <a:pPr marL="7700" marR="3080">
-              <a:lnSpc>
-                <a:spcPct val="130000"/>
-              </a:lnSpc>
-              <a:spcBef>
-                <a:spcPts val="700"/>
-              </a:spcBef>
-            </a:pPr>
-            <a:r>
-              <a:rPr lang="en-US" sz="1100" dirty="0" err="1">
-                <a:solidFill>
-                  <a:srgbClr val="151527"/>
-                </a:solidFill>
-                <a:latin typeface="Slalom Sans Light" pitchFamily="2" charset="77"/>
-                <a:cs typeface="SlalomSans-Light"/>
-              </a:rPr>
-              <a:t>F</a:t>
-            </a:r>
-            <a:r>
-              <a:rPr sz="1100" dirty="0" err="1">
-                <a:solidFill>
-                  <a:srgbClr val="151527"/>
-                </a:solidFill>
-                <a:latin typeface="Slalom Sans Light" pitchFamily="2" charset="77"/>
-                <a:cs typeface="SlalomSans-Light"/>
-              </a:rPr>
-              <a:t>uga</a:t>
-            </a:r>
-            <a:r>
-              <a:rPr sz="1100" dirty="0">
-                <a:solidFill>
-                  <a:srgbClr val="151527"/>
-                </a:solidFill>
-                <a:latin typeface="Slalom Sans Light" pitchFamily="2" charset="77"/>
-                <a:cs typeface="SlalomSans-Light"/>
-              </a:rPr>
-              <a:t>. </a:t>
-            </a:r>
-            <a:r>
-              <a:rPr sz="1100" dirty="0" err="1">
-                <a:solidFill>
-                  <a:srgbClr val="151527"/>
-                </a:solidFill>
-                <a:latin typeface="Slalom Sans Light" pitchFamily="2" charset="77"/>
-                <a:cs typeface="SlalomSans-Light"/>
-              </a:rPr>
-              <a:t>Nem</a:t>
-            </a:r>
-            <a:r>
-              <a:rPr sz="1100" dirty="0">
-                <a:solidFill>
-                  <a:srgbClr val="151527"/>
-                </a:solidFill>
-                <a:latin typeface="Slalom Sans Light" pitchFamily="2" charset="77"/>
-                <a:cs typeface="SlalomSans-Light"/>
-              </a:rPr>
-              <a:t> </a:t>
-            </a:r>
-            <a:r>
-              <a:rPr sz="1100" dirty="0" err="1">
-                <a:solidFill>
-                  <a:srgbClr val="151527"/>
-                </a:solidFill>
-                <a:latin typeface="Slalom Sans Light" pitchFamily="2" charset="77"/>
-                <a:cs typeface="SlalomSans-Light"/>
-              </a:rPr>
-              <a:t>necupta</a:t>
-            </a:r>
-            <a:r>
-              <a:rPr sz="1100" dirty="0">
-                <a:solidFill>
-                  <a:srgbClr val="151527"/>
-                </a:solidFill>
-                <a:latin typeface="Slalom Sans Light" pitchFamily="2" charset="77"/>
-                <a:cs typeface="SlalomSans-Light"/>
-              </a:rPr>
-              <a:t> </a:t>
-            </a:r>
-            <a:r>
-              <a:rPr sz="1100" dirty="0" err="1">
-                <a:solidFill>
-                  <a:srgbClr val="151527"/>
-                </a:solidFill>
-                <a:latin typeface="Slalom Sans Light" pitchFamily="2" charset="77"/>
-                <a:cs typeface="SlalomSans-Light"/>
-              </a:rPr>
-              <a:t>ius</a:t>
-            </a:r>
-            <a:r>
-              <a:rPr sz="1100" dirty="0">
-                <a:solidFill>
-                  <a:srgbClr val="151527"/>
-                </a:solidFill>
-                <a:latin typeface="Slalom Sans Light" pitchFamily="2" charset="77"/>
-                <a:cs typeface="SlalomSans-Light"/>
-              </a:rPr>
-              <a:t> </a:t>
-            </a:r>
-            <a:r>
-              <a:rPr sz="1100" dirty="0" err="1">
-                <a:solidFill>
-                  <a:srgbClr val="151527"/>
-                </a:solidFill>
-                <a:latin typeface="Slalom Sans Light" pitchFamily="2" charset="77"/>
-                <a:cs typeface="SlalomSans-Light"/>
-              </a:rPr>
-              <a:t>consequ</a:t>
-            </a:r>
-            <a:r>
-              <a:rPr sz="1100" dirty="0">
-                <a:solidFill>
-                  <a:srgbClr val="151527"/>
-                </a:solidFill>
-                <a:latin typeface="Slalom Sans Light" pitchFamily="2" charset="77"/>
-                <a:cs typeface="SlalomSans-Light"/>
-              </a:rPr>
-              <a:t> </a:t>
-            </a:r>
-            <a:r>
-              <a:rPr sz="1100" dirty="0" err="1">
-                <a:solidFill>
-                  <a:srgbClr val="151527"/>
-                </a:solidFill>
-                <a:latin typeface="Slalom Sans Light" pitchFamily="2" charset="77"/>
-                <a:cs typeface="SlalomSans-Light"/>
-              </a:rPr>
-              <a:t>osseritem</a:t>
-            </a:r>
-            <a:r>
-              <a:rPr sz="1100" dirty="0">
-                <a:solidFill>
-                  <a:srgbClr val="151527"/>
-                </a:solidFill>
-                <a:latin typeface="Slalom Sans Light" pitchFamily="2" charset="77"/>
-                <a:cs typeface="SlalomSans-Light"/>
-              </a:rPr>
-              <a:t> </a:t>
-            </a:r>
-            <a:r>
-              <a:rPr sz="1100" dirty="0" err="1">
-                <a:solidFill>
-                  <a:srgbClr val="151527"/>
-                </a:solidFill>
-                <a:latin typeface="Slalom Sans Light" pitchFamily="2" charset="77"/>
-                <a:cs typeface="SlalomSans-Light"/>
-              </a:rPr>
-              <a:t>quis</a:t>
-            </a:r>
-            <a:r>
-              <a:rPr sz="1100" dirty="0">
-                <a:solidFill>
-                  <a:srgbClr val="151527"/>
-                </a:solidFill>
-                <a:latin typeface="Slalom Sans Light" pitchFamily="2" charset="77"/>
-                <a:cs typeface="SlalomSans-Light"/>
-              </a:rPr>
-              <a:t> </a:t>
-            </a:r>
-            <a:r>
-              <a:rPr sz="1100" dirty="0" err="1">
-                <a:solidFill>
-                  <a:srgbClr val="151527"/>
-                </a:solidFill>
-                <a:latin typeface="Slalom Sans Light" pitchFamily="2" charset="77"/>
-                <a:cs typeface="SlalomSans-Light"/>
-              </a:rPr>
-              <a:t>eium</a:t>
-            </a:r>
-            <a:r>
-              <a:rPr sz="1100" dirty="0">
-                <a:solidFill>
-                  <a:srgbClr val="151527"/>
-                </a:solidFill>
-                <a:latin typeface="Slalom Sans Light" pitchFamily="2" charset="77"/>
-                <a:cs typeface="SlalomSans-Light"/>
-              </a:rPr>
-              <a:t>  </a:t>
-            </a:r>
-            <a:r>
-              <a:rPr sz="1100" dirty="0" err="1">
-                <a:solidFill>
-                  <a:srgbClr val="151527"/>
-                </a:solidFill>
-                <a:latin typeface="Slalom Sans Light" pitchFamily="2" charset="77"/>
-                <a:cs typeface="SlalomSans-Light"/>
-              </a:rPr>
-              <a:t>faceperibus</a:t>
-            </a:r>
-            <a:r>
-              <a:rPr sz="1100" dirty="0">
-                <a:solidFill>
-                  <a:srgbClr val="151527"/>
-                </a:solidFill>
-                <a:latin typeface="Slalom Sans Light" pitchFamily="2" charset="77"/>
-                <a:cs typeface="SlalomSans-Light"/>
-              </a:rPr>
-              <a:t> re lab il </a:t>
-            </a:r>
-            <a:r>
-              <a:rPr sz="1100" dirty="0" err="1">
-                <a:solidFill>
-                  <a:srgbClr val="151527"/>
-                </a:solidFill>
-                <a:latin typeface="Slalom Sans Light" pitchFamily="2" charset="77"/>
-                <a:cs typeface="SlalomSans-Light"/>
-              </a:rPr>
-              <a:t>idi</a:t>
-            </a:r>
-            <a:r>
-              <a:rPr sz="1100" dirty="0">
-                <a:solidFill>
-                  <a:srgbClr val="151527"/>
-                </a:solidFill>
-                <a:latin typeface="Slalom Sans Light" pitchFamily="2" charset="77"/>
-                <a:cs typeface="SlalomSans-Light"/>
-              </a:rPr>
-              <a:t> </a:t>
-            </a:r>
-            <a:r>
-              <a:rPr sz="1100" dirty="0" err="1">
-                <a:solidFill>
-                  <a:srgbClr val="151527"/>
-                </a:solidFill>
-                <a:latin typeface="Slalom Sans Light" pitchFamily="2" charset="77"/>
-                <a:cs typeface="SlalomSans-Light"/>
-              </a:rPr>
-              <a:t>reratem</a:t>
-            </a:r>
-            <a:r>
-              <a:rPr sz="1100" dirty="0">
-                <a:solidFill>
-                  <a:srgbClr val="151527"/>
-                </a:solidFill>
-                <a:latin typeface="Slalom Sans Light" pitchFamily="2" charset="77"/>
-                <a:cs typeface="SlalomSans-Light"/>
-              </a:rPr>
-              <a:t> ipsum.</a:t>
-            </a:r>
-            <a:endParaRPr sz="1100" dirty="0">
-              <a:latin typeface="Slalom Sans Light" pitchFamily="2" charset="77"/>
-              <a:cs typeface="SlalomSans-Light"/>
-            </a:endParaRPr>
+        </p:txBody>
+      </p:sp>
+      <p:sp>
+        <p:nvSpPr>
+          <p:cNvPr id="10" name="Footer Placeholder 1">
+            <a:extLst>
+              <a:ext uri="{FF2B5EF4-FFF2-40B4-BE49-F238E27FC236}">
+                <a16:creationId xmlns:a16="http://schemas.microsoft.com/office/drawing/2014/main" id="{437D13C3-C22F-2547-ADAD-E67DC8B8E805}"/>
+              </a:ext>
+            </a:extLst>
+          </p:cNvPr>
+          <p:cNvSpPr>
+            <a:spLocks noGrp="1"/>
+          </p:cNvSpPr>
+          <p:nvPr>
+            <p:ph type="ftr" sz="quarter" idx="11"/>
+          </p:nvPr>
+        </p:nvSpPr>
+        <p:spPr>
+          <a:xfrm>
+            <a:off x="609600" y="6330689"/>
+            <a:ext cx="4013200" cy="365125"/>
+          </a:xfrm>
+        </p:spPr>
+        <p:txBody>
+          <a:bodyPr/>
+          <a:lstStyle/>
+          <a:p>
+            <a:r>
+              <a:rPr lang="en-US" dirty="0"/>
+              <a:t>© 2021 Slalom, LLC CONFIDENTIAL &amp; PROPRIETARY</a:t>
+            </a:r>
           </a:p>
         </p:txBody>
       </p:sp>
     </p:spTree>
     <p:extLst>
       <p:ext uri="{BB962C8B-B14F-4D97-AF65-F5344CB8AC3E}">
-        <p14:creationId xmlns:p14="http://schemas.microsoft.com/office/powerpoint/2010/main" val="463543710"/>
+        <p14:creationId xmlns:p14="http://schemas.microsoft.com/office/powerpoint/2010/main" val="3763357321"/>
       </p:ext>
     </p:extLst>
   </p:cSld>
@@ -8018,7 +6860,7 @@
         <p:spPr>
           <a:xfrm>
             <a:off x="601740" y="1204524"/>
-            <a:ext cx="9267817" cy="1700158"/>
+            <a:ext cx="8161259" cy="1700158"/>
           </a:xfrm>
           <a:prstGeom prst="rect">
             <a:avLst/>
@@ -8062,7 +6904,7 @@
                   <a:srgbClr val="151527"/>
                 </a:solidFill>
               </a:rPr>
-              <a:t>Benefits vs Cost Analysis</a:t>
+              <a:t>Benefits In Practice</a:t>
             </a:r>
           </a:p>
         </p:txBody>
@@ -8105,7 +6947,7 @@
           <p:cNvPr id="7" name="object 4">
             <a:extLst>
               <a:ext uri="{FF2B5EF4-FFF2-40B4-BE49-F238E27FC236}">
-                <a16:creationId xmlns:a16="http://schemas.microsoft.com/office/drawing/2014/main" id="{461A4C4A-0F01-3C4B-98B0-EC46FAF3FDB0}"/>
+                <a16:creationId xmlns:a16="http://schemas.microsoft.com/office/drawing/2014/main" id="{C4D6B148-FE35-8D4B-88E5-7F8B2BF80723}"/>
               </a:ext>
             </a:extLst>
           </p:cNvPr>
@@ -8115,7 +6957,7 @@
         <p:spPr>
           <a:xfrm>
             <a:off x="601740" y="3001618"/>
-            <a:ext cx="3508811" cy="2270164"/>
+            <a:ext cx="8717751" cy="2270164"/>
           </a:xfrm>
           <a:prstGeom prst="rect">
             <a:avLst/>
@@ -8133,1215 +6975,149 @@
               </a:spcBef>
             </a:pPr>
             <a:r>
-              <a:rPr lang="en-US" sz="1200" b="1" dirty="0">
+              <a:rPr lang="en-US" sz="1400" b="1" dirty="0">
                 <a:solidFill>
                   <a:srgbClr val="151527"/>
                 </a:solidFill>
                 <a:latin typeface="Slalom Sans Bold"/>
                 <a:cs typeface="Slalom Sans Bold"/>
               </a:rPr>
-              <a:t>Continuous Integration (CI)</a:t>
-            </a:r>
-            <a:endParaRPr sz="1200" dirty="0">
-              <a:latin typeface="Slalom Sans"/>
-              <a:cs typeface="Slalom Sans"/>
+              <a:t>Benefits to </a:t>
+            </a:r>
+            <a:r>
+              <a:rPr lang="en-US" sz="1400" b="1" dirty="0" err="1">
+                <a:solidFill>
+                  <a:srgbClr val="151527"/>
+                </a:solidFill>
+                <a:latin typeface="Slalom Sans Bold"/>
+                <a:cs typeface="Slalom Sans Bold"/>
+              </a:rPr>
+              <a:t>UdaPeople</a:t>
+            </a:r>
+            <a:endParaRPr lang="en-US" sz="1400" b="1" dirty="0">
+              <a:solidFill>
+                <a:srgbClr val="151527"/>
+              </a:solidFill>
+              <a:latin typeface="Slalom Sans Bold"/>
+              <a:cs typeface="Slalom Sans Bold"/>
             </a:endParaRPr>
           </a:p>
           <a:p>
-            <a:pPr marL="7700" marR="44275">
+            <a:pPr marL="179150" marR="44275" indent="-171450">
               <a:lnSpc>
                 <a:spcPct val="130000"/>
               </a:lnSpc>
               <a:spcBef>
                 <a:spcPts val="700"/>
               </a:spcBef>
+              <a:buFont typeface="Arial" panose="020B0604020202020204" pitchFamily="34" charset="0"/>
+              <a:buChar char="•"/>
             </a:pPr>
             <a:r>
-              <a:rPr lang="en-US" sz="1100" dirty="0" err="1">
+              <a:rPr lang="en-US" sz="1400" dirty="0">
                 <a:solidFill>
                   <a:srgbClr val="151527"/>
                 </a:solidFill>
                 <a:latin typeface="Slalom Sans Light" pitchFamily="2" charset="77"/>
                 <a:cs typeface="SlalomSans-Light"/>
               </a:rPr>
-              <a:t>Beremod</a:t>
-            </a:r>
-            <a:r>
-              <a:rPr lang="en-US" sz="1100" dirty="0">
-                <a:solidFill>
-                  <a:srgbClr val="151527"/>
-                </a:solidFill>
-                <a:latin typeface="Slalom Sans Light" pitchFamily="2" charset="77"/>
-                <a:cs typeface="SlalomSans-Light"/>
-              </a:rPr>
-              <a:t> </a:t>
-            </a:r>
-            <a:r>
-              <a:rPr lang="en-US" sz="1100" dirty="0" err="1">
-                <a:solidFill>
-                  <a:srgbClr val="151527"/>
-                </a:solidFill>
-                <a:latin typeface="Slalom Sans Light" pitchFamily="2" charset="77"/>
-                <a:cs typeface="SlalomSans-Light"/>
-              </a:rPr>
-              <a:t>maximusaesto</a:t>
-            </a:r>
-            <a:r>
-              <a:rPr lang="en-US" sz="1100" dirty="0">
-                <a:solidFill>
-                  <a:srgbClr val="151527"/>
-                </a:solidFill>
-                <a:latin typeface="Slalom Sans Light" pitchFamily="2" charset="77"/>
-                <a:cs typeface="SlalomSans-Light"/>
-              </a:rPr>
-              <a:t> </a:t>
-            </a:r>
-            <a:r>
-              <a:rPr lang="en-US" sz="1100" dirty="0" err="1">
-                <a:solidFill>
-                  <a:srgbClr val="151527"/>
-                </a:solidFill>
-                <a:latin typeface="Slalom Sans Light" pitchFamily="2" charset="77"/>
-                <a:cs typeface="SlalomSans-Light"/>
-              </a:rPr>
-              <a:t>dunt</a:t>
-            </a:r>
-            <a:r>
-              <a:rPr lang="en-US" sz="1100" dirty="0">
-                <a:solidFill>
-                  <a:srgbClr val="151527"/>
-                </a:solidFill>
-                <a:latin typeface="Slalom Sans Light" pitchFamily="2" charset="77"/>
-                <a:cs typeface="SlalomSans-Light"/>
-              </a:rPr>
-              <a:t> </a:t>
-            </a:r>
-            <a:r>
-              <a:rPr lang="en-US" sz="1100" dirty="0" err="1">
-                <a:solidFill>
-                  <a:srgbClr val="151527"/>
-                </a:solidFill>
-                <a:latin typeface="Slalom Sans Light" pitchFamily="2" charset="77"/>
-                <a:cs typeface="SlalomSans-Light"/>
-              </a:rPr>
-              <a:t>labo</a:t>
-            </a:r>
-            <a:r>
-              <a:rPr lang="en-US" sz="1100" dirty="0">
-                <a:solidFill>
-                  <a:srgbClr val="151527"/>
-                </a:solidFill>
-                <a:latin typeface="Slalom Sans Light" pitchFamily="2" charset="77"/>
-                <a:cs typeface="SlalomSans-Light"/>
-              </a:rPr>
-              <a:t>. Et </a:t>
-            </a:r>
-            <a:r>
-              <a:rPr lang="en-US" sz="1100" dirty="0" err="1">
-                <a:solidFill>
-                  <a:srgbClr val="151527"/>
-                </a:solidFill>
-                <a:latin typeface="Slalom Sans Light" pitchFamily="2" charset="77"/>
-                <a:cs typeface="SlalomSans-Light"/>
-              </a:rPr>
-              <a:t>laborum</a:t>
-            </a:r>
-            <a:r>
-              <a:rPr lang="en-US" sz="1100" dirty="0">
-                <a:solidFill>
-                  <a:srgbClr val="151527"/>
-                </a:solidFill>
-                <a:latin typeface="Slalom Sans Light" pitchFamily="2" charset="77"/>
-                <a:cs typeface="SlalomSans-Light"/>
-              </a:rPr>
-              <a:t> que  </a:t>
-            </a:r>
-            <a:r>
-              <a:rPr lang="en-US" sz="1100" dirty="0" err="1">
-                <a:solidFill>
-                  <a:srgbClr val="151527"/>
-                </a:solidFill>
-                <a:latin typeface="Slalom Sans Light" pitchFamily="2" charset="77"/>
-                <a:cs typeface="SlalomSans-Light"/>
-              </a:rPr>
-              <a:t>parit</a:t>
-            </a:r>
-            <a:r>
-              <a:rPr lang="en-US" sz="1100" dirty="0">
-                <a:solidFill>
-                  <a:srgbClr val="151527"/>
-                </a:solidFill>
-                <a:latin typeface="Slalom Sans Light" pitchFamily="2" charset="77"/>
-                <a:cs typeface="SlalomSans-Light"/>
-              </a:rPr>
-              <a:t> </a:t>
-            </a:r>
-            <a:r>
-              <a:rPr lang="en-US" sz="1100" dirty="0" err="1">
-                <a:solidFill>
-                  <a:srgbClr val="151527"/>
-                </a:solidFill>
-                <a:latin typeface="Slalom Sans Light" pitchFamily="2" charset="77"/>
-                <a:cs typeface="SlalomSans-Light"/>
-              </a:rPr>
-              <a:t>invere</a:t>
-            </a:r>
-            <a:r>
-              <a:rPr lang="en-US" sz="1100" dirty="0">
-                <a:solidFill>
-                  <a:srgbClr val="151527"/>
-                </a:solidFill>
-                <a:latin typeface="Slalom Sans Light" pitchFamily="2" charset="77"/>
-                <a:cs typeface="SlalomSans-Light"/>
-              </a:rPr>
-              <a:t> </a:t>
-            </a:r>
-            <a:r>
-              <a:rPr lang="en-US" sz="1100" dirty="0" err="1">
-                <a:solidFill>
-                  <a:srgbClr val="151527"/>
-                </a:solidFill>
-                <a:latin typeface="Slalom Sans Light" pitchFamily="2" charset="77"/>
-                <a:cs typeface="SlalomSans-Light"/>
-              </a:rPr>
-              <a:t>nullit</a:t>
-            </a:r>
-            <a:r>
-              <a:rPr lang="en-US" sz="1100" dirty="0">
-                <a:solidFill>
-                  <a:srgbClr val="151527"/>
-                </a:solidFill>
-                <a:latin typeface="Slalom Sans Light" pitchFamily="2" charset="77"/>
-                <a:cs typeface="SlalomSans-Light"/>
-              </a:rPr>
-              <a:t> et, </a:t>
-            </a:r>
-            <a:r>
-              <a:rPr lang="en-US" sz="1100" dirty="0" err="1">
-                <a:solidFill>
-                  <a:srgbClr val="151527"/>
-                </a:solidFill>
-                <a:latin typeface="Slalom Sans Light" pitchFamily="2" charset="77"/>
-                <a:cs typeface="SlalomSans-Light"/>
-              </a:rPr>
-              <a:t>simporiatium</a:t>
-            </a:r>
-            <a:r>
-              <a:rPr lang="en-US" sz="1100" dirty="0">
-                <a:solidFill>
-                  <a:srgbClr val="151527"/>
-                </a:solidFill>
-                <a:latin typeface="Slalom Sans Light" pitchFamily="2" charset="77"/>
-                <a:cs typeface="SlalomSans-Light"/>
-              </a:rPr>
-              <a:t> et </a:t>
-            </a:r>
-            <a:r>
-              <a:rPr lang="en-US" sz="1100" dirty="0" err="1">
-                <a:solidFill>
-                  <a:srgbClr val="151527"/>
-                </a:solidFill>
-                <a:latin typeface="Slalom Sans Light" pitchFamily="2" charset="77"/>
-                <a:cs typeface="SlalomSans-Light"/>
-              </a:rPr>
-              <a:t>exceatibus</a:t>
-            </a:r>
-            <a:r>
-              <a:rPr lang="en-US" sz="1100" dirty="0">
-                <a:latin typeface="Slalom Sans Light" pitchFamily="2" charset="77"/>
-                <a:cs typeface="SlalomSans-Light"/>
-              </a:rPr>
-              <a:t> </a:t>
-            </a:r>
-            <a:r>
-              <a:rPr lang="en-US" sz="1100" dirty="0">
-                <a:solidFill>
-                  <a:srgbClr val="151527"/>
-                </a:solidFill>
-                <a:latin typeface="Slalom Sans Light" pitchFamily="2" charset="77"/>
-                <a:cs typeface="SlalomSans-Light"/>
-              </a:rPr>
-              <a:t>sim </a:t>
-            </a:r>
-            <a:r>
-              <a:rPr lang="en-US" sz="1100" dirty="0" err="1">
-                <a:solidFill>
-                  <a:srgbClr val="151527"/>
-                </a:solidFill>
-                <a:latin typeface="Slalom Sans Light" pitchFamily="2" charset="77"/>
-                <a:cs typeface="SlalomSans-Light"/>
-              </a:rPr>
-              <a:t>laborro</a:t>
-            </a:r>
-            <a:r>
-              <a:rPr lang="en-US" sz="1100" dirty="0">
-                <a:solidFill>
-                  <a:srgbClr val="151527"/>
-                </a:solidFill>
-                <a:latin typeface="Slalom Sans Light" pitchFamily="2" charset="77"/>
-                <a:cs typeface="SlalomSans-Light"/>
-              </a:rPr>
-              <a:t> to </a:t>
-            </a:r>
-            <a:r>
-              <a:rPr lang="en-US" sz="1100" dirty="0" err="1">
-                <a:solidFill>
-                  <a:srgbClr val="151527"/>
-                </a:solidFill>
-                <a:latin typeface="Slalom Sans Light" pitchFamily="2" charset="77"/>
-                <a:cs typeface="SlalomSans-Light"/>
-              </a:rPr>
-              <a:t>doluptiati</a:t>
-            </a:r>
-            <a:r>
-              <a:rPr lang="en-US" sz="1100" dirty="0">
-                <a:solidFill>
-                  <a:srgbClr val="151527"/>
-                </a:solidFill>
-                <a:latin typeface="Slalom Sans Light" pitchFamily="2" charset="77"/>
-                <a:cs typeface="SlalomSans-Light"/>
-              </a:rPr>
-              <a:t> </a:t>
-            </a:r>
-            <a:r>
-              <a:rPr lang="en-US" sz="1100" dirty="0" err="1">
-                <a:solidFill>
-                  <a:srgbClr val="151527"/>
-                </a:solidFill>
-                <a:latin typeface="Slalom Sans Light" pitchFamily="2" charset="77"/>
-                <a:cs typeface="SlalomSans-Light"/>
-              </a:rPr>
-              <a:t>optatincid</a:t>
-            </a:r>
-            <a:r>
-              <a:rPr lang="en-US" sz="1100" dirty="0">
-                <a:solidFill>
-                  <a:srgbClr val="151527"/>
-                </a:solidFill>
-                <a:latin typeface="Slalom Sans Light" pitchFamily="2" charset="77"/>
-                <a:cs typeface="SlalomSans-Light"/>
-              </a:rPr>
-              <a:t> </a:t>
-            </a:r>
-            <a:r>
-              <a:rPr lang="en-US" sz="1100" dirty="0" err="1">
-                <a:solidFill>
-                  <a:srgbClr val="151527"/>
-                </a:solidFill>
-                <a:latin typeface="Slalom Sans Light" pitchFamily="2" charset="77"/>
-                <a:cs typeface="SlalomSans-Light"/>
-              </a:rPr>
-              <a:t>ut</a:t>
-            </a:r>
-            <a:r>
-              <a:rPr lang="en-US" sz="1100" dirty="0">
-                <a:solidFill>
-                  <a:srgbClr val="151527"/>
-                </a:solidFill>
-                <a:latin typeface="Slalom Sans Light" pitchFamily="2" charset="77"/>
-                <a:cs typeface="SlalomSans-Light"/>
-              </a:rPr>
-              <a:t> ma </a:t>
-            </a:r>
-            <a:r>
-              <a:rPr lang="en-US" sz="1100" dirty="0" err="1">
-                <a:solidFill>
-                  <a:srgbClr val="151527"/>
-                </a:solidFill>
-                <a:latin typeface="Slalom Sans Light" pitchFamily="2" charset="77"/>
-                <a:cs typeface="SlalomSans-Light"/>
-              </a:rPr>
-              <a:t>simint</a:t>
-            </a:r>
-            <a:r>
-              <a:rPr lang="en-US" sz="1100" dirty="0">
-                <a:solidFill>
-                  <a:srgbClr val="151527"/>
-                </a:solidFill>
-                <a:latin typeface="Slalom Sans Light" pitchFamily="2" charset="77"/>
-                <a:cs typeface="SlalomSans-Light"/>
-              </a:rPr>
-              <a:t>.</a:t>
-            </a:r>
-            <a:endParaRPr lang="en-US" sz="1100" dirty="0">
-              <a:latin typeface="Slalom Sans Light" pitchFamily="2" charset="77"/>
-              <a:cs typeface="SlalomSans-Light"/>
-            </a:endParaRPr>
-          </a:p>
-          <a:p>
-            <a:pPr marL="7700" marR="3080">
+              <a:t>Quicker code merge</a:t>
+            </a:r>
+          </a:p>
+          <a:p>
+            <a:pPr marL="179150" marR="44275" indent="-171450">
               <a:lnSpc>
                 <a:spcPct val="130000"/>
               </a:lnSpc>
               <a:spcBef>
                 <a:spcPts val="700"/>
               </a:spcBef>
+              <a:buFont typeface="Arial" panose="020B0604020202020204" pitchFamily="34" charset="0"/>
+              <a:buChar char="•"/>
             </a:pPr>
             <a:r>
-              <a:rPr lang="en-US" sz="1100" dirty="0" err="1">
+              <a:rPr lang="en-US" sz="1400" dirty="0">
                 <a:solidFill>
                   <a:srgbClr val="151527"/>
                 </a:solidFill>
                 <a:latin typeface="Slalom Sans Light" pitchFamily="2" charset="77"/>
                 <a:cs typeface="SlalomSans-Light"/>
               </a:rPr>
-              <a:t>Fuga</a:t>
-            </a:r>
-            <a:r>
-              <a:rPr lang="en-US" sz="1100" dirty="0">
-                <a:solidFill>
-                  <a:srgbClr val="151527"/>
-                </a:solidFill>
-                <a:latin typeface="Slalom Sans Light" pitchFamily="2" charset="77"/>
-                <a:cs typeface="SlalomSans-Light"/>
-              </a:rPr>
-              <a:t>. </a:t>
-            </a:r>
-            <a:r>
-              <a:rPr lang="en-US" sz="1100" dirty="0" err="1">
-                <a:solidFill>
-                  <a:srgbClr val="151527"/>
-                </a:solidFill>
-                <a:latin typeface="Slalom Sans Light" pitchFamily="2" charset="77"/>
-                <a:cs typeface="SlalomSans-Light"/>
-              </a:rPr>
-              <a:t>Nem</a:t>
-            </a:r>
-            <a:r>
-              <a:rPr lang="en-US" sz="1100" dirty="0">
-                <a:solidFill>
-                  <a:srgbClr val="151527"/>
-                </a:solidFill>
-                <a:latin typeface="Slalom Sans Light" pitchFamily="2" charset="77"/>
-                <a:cs typeface="SlalomSans-Light"/>
-              </a:rPr>
-              <a:t> </a:t>
-            </a:r>
-            <a:r>
-              <a:rPr lang="en-US" sz="1100" dirty="0" err="1">
-                <a:solidFill>
-                  <a:srgbClr val="151527"/>
-                </a:solidFill>
-                <a:latin typeface="Slalom Sans Light" pitchFamily="2" charset="77"/>
-                <a:cs typeface="SlalomSans-Light"/>
-              </a:rPr>
-              <a:t>necupta</a:t>
-            </a:r>
-            <a:r>
-              <a:rPr lang="en-US" sz="1100" dirty="0">
-                <a:solidFill>
-                  <a:srgbClr val="151527"/>
-                </a:solidFill>
-                <a:latin typeface="Slalom Sans Light" pitchFamily="2" charset="77"/>
-                <a:cs typeface="SlalomSans-Light"/>
-              </a:rPr>
-              <a:t> </a:t>
-            </a:r>
-            <a:r>
-              <a:rPr lang="en-US" sz="1100" dirty="0" err="1">
-                <a:solidFill>
-                  <a:srgbClr val="151527"/>
-                </a:solidFill>
-                <a:latin typeface="Slalom Sans Light" pitchFamily="2" charset="77"/>
-                <a:cs typeface="SlalomSans-Light"/>
-              </a:rPr>
-              <a:t>ius</a:t>
-            </a:r>
-            <a:r>
-              <a:rPr lang="en-US" sz="1100" dirty="0">
-                <a:solidFill>
-                  <a:srgbClr val="151527"/>
-                </a:solidFill>
-                <a:latin typeface="Slalom Sans Light" pitchFamily="2" charset="77"/>
-                <a:cs typeface="SlalomSans-Light"/>
-              </a:rPr>
-              <a:t> </a:t>
-            </a:r>
-            <a:r>
-              <a:rPr lang="en-US" sz="1100" dirty="0" err="1">
-                <a:solidFill>
-                  <a:srgbClr val="151527"/>
-                </a:solidFill>
-                <a:latin typeface="Slalom Sans Light" pitchFamily="2" charset="77"/>
-                <a:cs typeface="SlalomSans-Light"/>
-              </a:rPr>
-              <a:t>consequ</a:t>
-            </a:r>
-            <a:r>
-              <a:rPr lang="en-US" sz="1100" dirty="0">
-                <a:solidFill>
-                  <a:srgbClr val="151527"/>
-                </a:solidFill>
-                <a:latin typeface="Slalom Sans Light" pitchFamily="2" charset="77"/>
-                <a:cs typeface="SlalomSans-Light"/>
-              </a:rPr>
-              <a:t> </a:t>
-            </a:r>
-            <a:r>
-              <a:rPr lang="en-US" sz="1100" dirty="0" err="1">
-                <a:solidFill>
-                  <a:srgbClr val="151527"/>
-                </a:solidFill>
-                <a:latin typeface="Slalom Sans Light" pitchFamily="2" charset="77"/>
-                <a:cs typeface="SlalomSans-Light"/>
-              </a:rPr>
-              <a:t>osseritem</a:t>
-            </a:r>
-            <a:r>
-              <a:rPr lang="en-US" sz="1100" dirty="0">
-                <a:solidFill>
-                  <a:srgbClr val="151527"/>
-                </a:solidFill>
-                <a:latin typeface="Slalom Sans Light" pitchFamily="2" charset="77"/>
-                <a:cs typeface="SlalomSans-Light"/>
-              </a:rPr>
-              <a:t> </a:t>
-            </a:r>
-            <a:r>
-              <a:rPr lang="en-US" sz="1100" dirty="0" err="1">
-                <a:solidFill>
-                  <a:srgbClr val="151527"/>
-                </a:solidFill>
-                <a:latin typeface="Slalom Sans Light" pitchFamily="2" charset="77"/>
-                <a:cs typeface="SlalomSans-Light"/>
-              </a:rPr>
-              <a:t>quis</a:t>
-            </a:r>
-            <a:r>
-              <a:rPr lang="en-US" sz="1100" dirty="0">
-                <a:solidFill>
-                  <a:srgbClr val="151527"/>
-                </a:solidFill>
-                <a:latin typeface="Slalom Sans Light" pitchFamily="2" charset="77"/>
-                <a:cs typeface="SlalomSans-Light"/>
-              </a:rPr>
-              <a:t> </a:t>
-            </a:r>
-            <a:r>
-              <a:rPr lang="en-US" sz="1100" dirty="0" err="1">
-                <a:solidFill>
-                  <a:srgbClr val="151527"/>
-                </a:solidFill>
-                <a:latin typeface="Slalom Sans Light" pitchFamily="2" charset="77"/>
-                <a:cs typeface="SlalomSans-Light"/>
-              </a:rPr>
-              <a:t>eium</a:t>
-            </a:r>
-            <a:r>
-              <a:rPr lang="en-US" sz="1100" dirty="0">
-                <a:solidFill>
-                  <a:srgbClr val="151527"/>
-                </a:solidFill>
-                <a:latin typeface="Slalom Sans Light" pitchFamily="2" charset="77"/>
-                <a:cs typeface="SlalomSans-Light"/>
-              </a:rPr>
-              <a:t>  </a:t>
-            </a:r>
-            <a:r>
-              <a:rPr lang="en-US" sz="1100" dirty="0" err="1">
-                <a:solidFill>
-                  <a:srgbClr val="151527"/>
-                </a:solidFill>
-                <a:latin typeface="Slalom Sans Light" pitchFamily="2" charset="77"/>
-                <a:cs typeface="SlalomSans-Light"/>
-              </a:rPr>
-              <a:t>faceperibus</a:t>
-            </a:r>
-            <a:r>
-              <a:rPr lang="en-US" sz="1100" dirty="0">
-                <a:solidFill>
-                  <a:srgbClr val="151527"/>
-                </a:solidFill>
-                <a:latin typeface="Slalom Sans Light" pitchFamily="2" charset="77"/>
-                <a:cs typeface="SlalomSans-Light"/>
-              </a:rPr>
-              <a:t> </a:t>
-            </a:r>
-            <a:r>
-              <a:rPr sz="1100" dirty="0">
-                <a:solidFill>
-                  <a:srgbClr val="151527"/>
-                </a:solidFill>
-                <a:latin typeface="Slalom Sans Light" pitchFamily="2" charset="77"/>
-                <a:cs typeface="SlalomSans-Light"/>
-              </a:rPr>
-              <a:t>re </a:t>
-            </a:r>
-            <a:r>
-              <a:rPr lang="en-US" sz="1100" dirty="0">
-                <a:solidFill>
-                  <a:srgbClr val="151527"/>
-                </a:solidFill>
-                <a:latin typeface="Slalom Sans Light" pitchFamily="2" charset="77"/>
-                <a:cs typeface="SlalomSans-Light"/>
-              </a:rPr>
-              <a:t>lab il </a:t>
-            </a:r>
-            <a:r>
-              <a:rPr lang="en-US" sz="1100" dirty="0" err="1">
-                <a:solidFill>
-                  <a:srgbClr val="151527"/>
-                </a:solidFill>
-                <a:latin typeface="Slalom Sans Light" pitchFamily="2" charset="77"/>
-                <a:cs typeface="SlalomSans-Light"/>
-              </a:rPr>
-              <a:t>idi</a:t>
-            </a:r>
-            <a:r>
-              <a:rPr lang="en-US" sz="1100" dirty="0">
-                <a:solidFill>
-                  <a:srgbClr val="151527"/>
-                </a:solidFill>
-                <a:latin typeface="Slalom Sans Light" pitchFamily="2" charset="77"/>
-                <a:cs typeface="SlalomSans-Light"/>
-              </a:rPr>
-              <a:t> </a:t>
-            </a:r>
-            <a:r>
-              <a:rPr lang="en-US" sz="1100" dirty="0" err="1">
-                <a:solidFill>
-                  <a:srgbClr val="151527"/>
-                </a:solidFill>
-                <a:latin typeface="Slalom Sans Light" pitchFamily="2" charset="77"/>
-                <a:cs typeface="SlalomSans-Light"/>
-              </a:rPr>
-              <a:t>reratem</a:t>
-            </a:r>
-            <a:r>
-              <a:rPr lang="en-US" sz="1100" dirty="0">
-                <a:solidFill>
-                  <a:srgbClr val="151527"/>
-                </a:solidFill>
-                <a:latin typeface="Slalom Sans Light" pitchFamily="2" charset="77"/>
-                <a:cs typeface="SlalomSans-Light"/>
-              </a:rPr>
-              <a:t> ipsum.</a:t>
-            </a:r>
-            <a:endParaRPr lang="en-US" sz="1100" dirty="0">
-              <a:latin typeface="Slalom Sans Light" pitchFamily="2" charset="77"/>
-              <a:cs typeface="SlalomSans-Light"/>
-            </a:endParaRPr>
-          </a:p>
-        </p:txBody>
-      </p:sp>
-      <p:sp>
-        <p:nvSpPr>
-          <p:cNvPr id="9" name="object 5">
-            <a:extLst>
-              <a:ext uri="{FF2B5EF4-FFF2-40B4-BE49-F238E27FC236}">
-                <a16:creationId xmlns:a16="http://schemas.microsoft.com/office/drawing/2014/main" id="{0B302C2D-E492-9B4E-8CDD-7F13729442BA}"/>
-              </a:ext>
-            </a:extLst>
-          </p:cNvPr>
-          <p:cNvSpPr txBox="1"/>
-          <p:nvPr/>
-        </p:nvSpPr>
-        <p:spPr>
-          <a:xfrm>
-            <a:off x="4305300" y="3001618"/>
-            <a:ext cx="3543300" cy="2270164"/>
-          </a:xfrm>
-          <a:prstGeom prst="rect">
-            <a:avLst/>
-          </a:prstGeom>
-        </p:spPr>
-        <p:txBody>
-          <a:bodyPr vert="horz" wrap="square" lIns="0" tIns="9625" rIns="0" bIns="0" rtlCol="0">
-            <a:noAutofit/>
-          </a:bodyPr>
-          <a:lstStyle/>
-          <a:p>
-            <a:pPr marL="7700">
-              <a:spcBef>
-                <a:spcPts val="76"/>
-              </a:spcBef>
-            </a:pPr>
-            <a:r>
-              <a:rPr lang="en-US" sz="1200" b="1" dirty="0">
-                <a:solidFill>
-                  <a:srgbClr val="151527"/>
-                </a:solidFill>
-                <a:latin typeface="Slalom Sans Bold"/>
-                <a:cs typeface="Slalom Sans Bold"/>
-              </a:rPr>
-              <a:t>Continuous Deployment (CD)</a:t>
-            </a:r>
-            <a:endParaRPr lang="en-US" sz="1200" dirty="0">
-              <a:latin typeface="Slalom Sans"/>
-              <a:cs typeface="Slalom Sans"/>
-            </a:endParaRPr>
-          </a:p>
-          <a:p>
-            <a:pPr marL="7700" marR="44275">
+              <a:t>Quicker error detection upon merge</a:t>
+            </a:r>
+          </a:p>
+          <a:p>
+            <a:pPr marL="179150" marR="44275" indent="-171450">
               <a:lnSpc>
                 <a:spcPct val="130000"/>
               </a:lnSpc>
               <a:spcBef>
                 <a:spcPts val="700"/>
               </a:spcBef>
+              <a:buFont typeface="Arial" panose="020B0604020202020204" pitchFamily="34" charset="0"/>
+              <a:buChar char="•"/>
             </a:pPr>
             <a:r>
-              <a:rPr lang="en-US" sz="1100" dirty="0" err="1">
+              <a:rPr lang="en-US" sz="1400" dirty="0">
                 <a:solidFill>
                   <a:srgbClr val="151527"/>
                 </a:solidFill>
                 <a:latin typeface="Slalom Sans Light" pitchFamily="2" charset="77"/>
                 <a:cs typeface="SlalomSans-Light"/>
               </a:rPr>
-              <a:t>Beremod</a:t>
-            </a:r>
-            <a:r>
-              <a:rPr sz="1100" dirty="0">
-                <a:solidFill>
-                  <a:srgbClr val="151527"/>
-                </a:solidFill>
-                <a:latin typeface="Slalom Sans Light" pitchFamily="2" charset="77"/>
-                <a:cs typeface="SlalomSans-Light"/>
-              </a:rPr>
-              <a:t> </a:t>
-            </a:r>
-            <a:r>
-              <a:rPr lang="en-US" sz="1100" dirty="0" err="1">
-                <a:solidFill>
-                  <a:srgbClr val="151527"/>
-                </a:solidFill>
-                <a:latin typeface="Slalom Sans Light" pitchFamily="2" charset="77"/>
-                <a:cs typeface="SlalomSans-Light"/>
-              </a:rPr>
-              <a:t>maximusaesto</a:t>
-            </a:r>
-            <a:r>
-              <a:rPr sz="1100" dirty="0">
-                <a:solidFill>
-                  <a:srgbClr val="151527"/>
-                </a:solidFill>
-                <a:latin typeface="Slalom Sans Light" pitchFamily="2" charset="77"/>
-                <a:cs typeface="SlalomSans-Light"/>
-              </a:rPr>
-              <a:t> </a:t>
-            </a:r>
-            <a:r>
-              <a:rPr lang="en-US" sz="1100" dirty="0" err="1">
-                <a:solidFill>
-                  <a:srgbClr val="151527"/>
-                </a:solidFill>
-                <a:latin typeface="Slalom Sans Light" pitchFamily="2" charset="77"/>
-                <a:cs typeface="SlalomSans-Light"/>
-              </a:rPr>
-              <a:t>dunt</a:t>
-            </a:r>
-            <a:r>
-              <a:rPr sz="1100" dirty="0">
-                <a:solidFill>
-                  <a:srgbClr val="151527"/>
-                </a:solidFill>
-                <a:latin typeface="Slalom Sans Light" pitchFamily="2" charset="77"/>
-                <a:cs typeface="SlalomSans-Light"/>
-              </a:rPr>
-              <a:t> </a:t>
-            </a:r>
-            <a:r>
-              <a:rPr lang="en-US" sz="1100" dirty="0" err="1">
-                <a:solidFill>
-                  <a:srgbClr val="151527"/>
-                </a:solidFill>
-                <a:latin typeface="Slalom Sans Light" pitchFamily="2" charset="77"/>
-                <a:cs typeface="SlalomSans-Light"/>
-              </a:rPr>
-              <a:t>labo</a:t>
-            </a:r>
-            <a:r>
-              <a:rPr sz="1100" dirty="0">
-                <a:solidFill>
-                  <a:srgbClr val="151527"/>
-                </a:solidFill>
-                <a:latin typeface="Slalom Sans Light" pitchFamily="2" charset="77"/>
-                <a:cs typeface="SlalomSans-Light"/>
-              </a:rPr>
-              <a:t>. Et </a:t>
-            </a:r>
-            <a:r>
-              <a:rPr lang="en-US" sz="1100" dirty="0" err="1">
-                <a:solidFill>
-                  <a:srgbClr val="151527"/>
-                </a:solidFill>
-                <a:latin typeface="Slalom Sans Light" pitchFamily="2" charset="77"/>
-                <a:cs typeface="SlalomSans-Light"/>
-              </a:rPr>
-              <a:t>laborum</a:t>
-            </a:r>
-            <a:r>
-              <a:rPr sz="1100" dirty="0">
-                <a:solidFill>
-                  <a:srgbClr val="151527"/>
-                </a:solidFill>
-                <a:latin typeface="Slalom Sans Light" pitchFamily="2" charset="77"/>
-                <a:cs typeface="SlalomSans-Light"/>
-              </a:rPr>
-              <a:t> que  </a:t>
-            </a:r>
-            <a:r>
-              <a:rPr lang="en-US" sz="1100" dirty="0" err="1">
-                <a:solidFill>
-                  <a:srgbClr val="151527"/>
-                </a:solidFill>
-                <a:latin typeface="Slalom Sans Light" pitchFamily="2" charset="77"/>
-                <a:cs typeface="SlalomSans-Light"/>
-              </a:rPr>
-              <a:t>parit</a:t>
-            </a:r>
-            <a:r>
-              <a:rPr sz="1100" dirty="0">
-                <a:solidFill>
-                  <a:srgbClr val="151527"/>
-                </a:solidFill>
-                <a:latin typeface="Slalom Sans Light" pitchFamily="2" charset="77"/>
-                <a:cs typeface="SlalomSans-Light"/>
-              </a:rPr>
-              <a:t> </a:t>
-            </a:r>
-            <a:r>
-              <a:rPr lang="en-US" sz="1100" dirty="0" err="1">
-                <a:solidFill>
-                  <a:srgbClr val="151527"/>
-                </a:solidFill>
-                <a:latin typeface="Slalom Sans Light" pitchFamily="2" charset="77"/>
-                <a:cs typeface="SlalomSans-Light"/>
-              </a:rPr>
-              <a:t>invere</a:t>
-            </a:r>
-            <a:r>
-              <a:rPr sz="1100" dirty="0">
-                <a:solidFill>
-                  <a:srgbClr val="151527"/>
-                </a:solidFill>
-                <a:latin typeface="Slalom Sans Light" pitchFamily="2" charset="77"/>
-                <a:cs typeface="SlalomSans-Light"/>
-              </a:rPr>
-              <a:t> </a:t>
-            </a:r>
-            <a:r>
-              <a:rPr lang="en-US" sz="1100" dirty="0" err="1">
-                <a:solidFill>
-                  <a:srgbClr val="151527"/>
-                </a:solidFill>
-                <a:latin typeface="Slalom Sans Light" pitchFamily="2" charset="77"/>
-                <a:cs typeface="SlalomSans-Light"/>
-              </a:rPr>
-              <a:t>nullit</a:t>
-            </a:r>
-            <a:r>
-              <a:rPr sz="1100" dirty="0">
-                <a:solidFill>
-                  <a:srgbClr val="151527"/>
-                </a:solidFill>
-                <a:latin typeface="Slalom Sans Light" pitchFamily="2" charset="77"/>
-                <a:cs typeface="SlalomSans-Light"/>
-              </a:rPr>
-              <a:t> et, </a:t>
-            </a:r>
-            <a:r>
-              <a:rPr lang="en-US" sz="1100" dirty="0" err="1">
-                <a:solidFill>
-                  <a:srgbClr val="151527"/>
-                </a:solidFill>
-                <a:latin typeface="Slalom Sans Light" pitchFamily="2" charset="77"/>
-                <a:cs typeface="SlalomSans-Light"/>
-              </a:rPr>
-              <a:t>simporiatium</a:t>
-            </a:r>
-            <a:r>
-              <a:rPr sz="1100" dirty="0">
-                <a:solidFill>
-                  <a:srgbClr val="151527"/>
-                </a:solidFill>
-                <a:latin typeface="Slalom Sans Light" pitchFamily="2" charset="77"/>
-                <a:cs typeface="SlalomSans-Light"/>
-              </a:rPr>
-              <a:t> et </a:t>
-            </a:r>
-            <a:r>
-              <a:rPr lang="en-US" sz="1100" dirty="0" err="1">
-                <a:solidFill>
-                  <a:srgbClr val="151527"/>
-                </a:solidFill>
-                <a:latin typeface="Slalom Sans Light" pitchFamily="2" charset="77"/>
-                <a:cs typeface="SlalomSans-Light"/>
-              </a:rPr>
-              <a:t>exceatibus</a:t>
-            </a:r>
-            <a:r>
-              <a:rPr lang="en-US" sz="1100" dirty="0">
-                <a:latin typeface="Slalom Sans Light" pitchFamily="2" charset="77"/>
-                <a:cs typeface="SlalomSans-Light"/>
-              </a:rPr>
-              <a:t> </a:t>
-            </a:r>
-            <a:r>
-              <a:rPr sz="1100" dirty="0">
-                <a:solidFill>
-                  <a:srgbClr val="151527"/>
-                </a:solidFill>
-                <a:latin typeface="Slalom Sans Light" pitchFamily="2" charset="77"/>
-                <a:cs typeface="SlalomSans-Light"/>
-              </a:rPr>
-              <a:t>sim </a:t>
-            </a:r>
-            <a:r>
-              <a:rPr lang="en-US" sz="1100" dirty="0" err="1">
-                <a:solidFill>
-                  <a:srgbClr val="151527"/>
-                </a:solidFill>
-                <a:latin typeface="Slalom Sans Light" pitchFamily="2" charset="77"/>
-                <a:cs typeface="SlalomSans-Light"/>
-              </a:rPr>
-              <a:t>laborro</a:t>
-            </a:r>
-            <a:r>
-              <a:rPr sz="1100" dirty="0">
-                <a:solidFill>
-                  <a:srgbClr val="151527"/>
-                </a:solidFill>
-                <a:latin typeface="Slalom Sans Light" pitchFamily="2" charset="77"/>
-                <a:cs typeface="SlalomSans-Light"/>
-              </a:rPr>
-              <a:t> to </a:t>
-            </a:r>
-            <a:r>
-              <a:rPr sz="1100" dirty="0" err="1">
-                <a:solidFill>
-                  <a:srgbClr val="151527"/>
-                </a:solidFill>
-                <a:latin typeface="Slalom Sans Light" pitchFamily="2" charset="77"/>
-                <a:cs typeface="SlalomSans-Light"/>
-              </a:rPr>
-              <a:t>doluptiati</a:t>
-            </a:r>
-            <a:r>
-              <a:rPr sz="1100" dirty="0">
-                <a:solidFill>
-                  <a:srgbClr val="151527"/>
-                </a:solidFill>
-                <a:latin typeface="Slalom Sans Light" pitchFamily="2" charset="77"/>
-                <a:cs typeface="SlalomSans-Light"/>
-              </a:rPr>
-              <a:t> </a:t>
-            </a:r>
-            <a:r>
-              <a:rPr sz="1100" dirty="0" err="1">
-                <a:solidFill>
-                  <a:srgbClr val="151527"/>
-                </a:solidFill>
-                <a:latin typeface="Slalom Sans Light" pitchFamily="2" charset="77"/>
-                <a:cs typeface="SlalomSans-Light"/>
-              </a:rPr>
-              <a:t>optatincid</a:t>
-            </a:r>
-            <a:r>
-              <a:rPr sz="1100" dirty="0">
-                <a:solidFill>
-                  <a:srgbClr val="151527"/>
-                </a:solidFill>
-                <a:latin typeface="Slalom Sans Light" pitchFamily="2" charset="77"/>
-                <a:cs typeface="SlalomSans-Light"/>
-              </a:rPr>
-              <a:t> </a:t>
-            </a:r>
-            <a:r>
-              <a:rPr lang="en-US" sz="1100" dirty="0" err="1">
-                <a:solidFill>
-                  <a:srgbClr val="151527"/>
-                </a:solidFill>
-                <a:latin typeface="Slalom Sans Light" pitchFamily="2" charset="77"/>
-                <a:cs typeface="SlalomSans-Light"/>
-              </a:rPr>
-              <a:t>ut</a:t>
-            </a:r>
-            <a:r>
-              <a:rPr sz="1100" dirty="0">
-                <a:solidFill>
-                  <a:srgbClr val="151527"/>
-                </a:solidFill>
-                <a:latin typeface="Slalom Sans Light" pitchFamily="2" charset="77"/>
-                <a:cs typeface="SlalomSans-Light"/>
-              </a:rPr>
-              <a:t> ma </a:t>
-            </a:r>
-            <a:r>
-              <a:rPr sz="1100" dirty="0" err="1">
-                <a:solidFill>
-                  <a:srgbClr val="151527"/>
-                </a:solidFill>
-                <a:latin typeface="Slalom Sans Light" pitchFamily="2" charset="77"/>
-                <a:cs typeface="SlalomSans-Light"/>
-              </a:rPr>
-              <a:t>simint</a:t>
-            </a:r>
-            <a:r>
-              <a:rPr lang="en-US" sz="1100" dirty="0">
-                <a:solidFill>
-                  <a:srgbClr val="151527"/>
-                </a:solidFill>
-                <a:latin typeface="Slalom Sans Light" pitchFamily="2" charset="77"/>
-                <a:cs typeface="SlalomSans-Light"/>
-              </a:rPr>
-              <a:t>.</a:t>
-            </a:r>
-            <a:endParaRPr sz="1100" dirty="0">
-              <a:latin typeface="Slalom Sans Light" pitchFamily="2" charset="77"/>
-              <a:cs typeface="SlalomSans-Light"/>
-            </a:endParaRPr>
-          </a:p>
-          <a:p>
-            <a:pPr marL="7700" marR="3080">
+              <a:t>More streamlined code compilation process</a:t>
+            </a:r>
+          </a:p>
+          <a:p>
+            <a:pPr marL="179150" marR="44275" indent="-171450">
               <a:lnSpc>
                 <a:spcPct val="130000"/>
               </a:lnSpc>
               <a:spcBef>
                 <a:spcPts val="700"/>
               </a:spcBef>
+              <a:buFont typeface="Arial" panose="020B0604020202020204" pitchFamily="34" charset="0"/>
+              <a:buChar char="•"/>
             </a:pPr>
             <a:r>
-              <a:rPr lang="en-US" sz="1100" dirty="0" err="1">
+              <a:rPr lang="en-US" sz="1400" dirty="0">
                 <a:solidFill>
                   <a:srgbClr val="151527"/>
                 </a:solidFill>
                 <a:latin typeface="Slalom Sans Light" pitchFamily="2" charset="77"/>
                 <a:cs typeface="SlalomSans-Light"/>
               </a:rPr>
-              <a:t>F</a:t>
-            </a:r>
-            <a:r>
-              <a:rPr sz="1100" dirty="0" err="1">
+              <a:t>Quicker feature development and implementation</a:t>
+            </a:r>
+          </a:p>
+          <a:p>
+            <a:pPr marL="179150" marR="44275" indent="-171450">
+              <a:lnSpc>
+                <a:spcPct val="130000"/>
+              </a:lnSpc>
+              <a:spcBef>
+                <a:spcPts val="700"/>
+              </a:spcBef>
+              <a:buFont typeface="Arial" panose="020B0604020202020204" pitchFamily="34" charset="0"/>
+              <a:buChar char="•"/>
+            </a:pPr>
+            <a:r>
+              <a:rPr lang="en-US" sz="1400" dirty="0">
                 <a:solidFill>
                   <a:srgbClr val="151527"/>
                 </a:solidFill>
                 <a:latin typeface="Slalom Sans Light" pitchFamily="2" charset="77"/>
                 <a:cs typeface="SlalomSans-Light"/>
               </a:rPr>
-              <a:t>uga</a:t>
-            </a:r>
-            <a:r>
-              <a:rPr sz="1100" dirty="0">
-                <a:solidFill>
-                  <a:srgbClr val="151527"/>
-                </a:solidFill>
-                <a:latin typeface="Slalom Sans Light" pitchFamily="2" charset="77"/>
-                <a:cs typeface="SlalomSans-Light"/>
-              </a:rPr>
-              <a:t>. </a:t>
-            </a:r>
-            <a:r>
-              <a:rPr sz="1100" dirty="0" err="1">
-                <a:solidFill>
-                  <a:srgbClr val="151527"/>
-                </a:solidFill>
-                <a:latin typeface="Slalom Sans Light" pitchFamily="2" charset="77"/>
-                <a:cs typeface="SlalomSans-Light"/>
-              </a:rPr>
-              <a:t>Nem</a:t>
-            </a:r>
-            <a:r>
-              <a:rPr sz="1100" dirty="0">
-                <a:solidFill>
-                  <a:srgbClr val="151527"/>
-                </a:solidFill>
-                <a:latin typeface="Slalom Sans Light" pitchFamily="2" charset="77"/>
-                <a:cs typeface="SlalomSans-Light"/>
-              </a:rPr>
-              <a:t> </a:t>
-            </a:r>
-            <a:r>
-              <a:rPr sz="1100" dirty="0" err="1">
-                <a:solidFill>
-                  <a:srgbClr val="151527"/>
-                </a:solidFill>
-                <a:latin typeface="Slalom Sans Light" pitchFamily="2" charset="77"/>
-                <a:cs typeface="SlalomSans-Light"/>
-              </a:rPr>
-              <a:t>necupta</a:t>
-            </a:r>
-            <a:r>
-              <a:rPr sz="1100" dirty="0">
-                <a:solidFill>
-                  <a:srgbClr val="151527"/>
-                </a:solidFill>
-                <a:latin typeface="Slalom Sans Light" pitchFamily="2" charset="77"/>
-                <a:cs typeface="SlalomSans-Light"/>
-              </a:rPr>
-              <a:t> </a:t>
-            </a:r>
-            <a:r>
-              <a:rPr sz="1100" dirty="0" err="1">
-                <a:solidFill>
-                  <a:srgbClr val="151527"/>
-                </a:solidFill>
-                <a:latin typeface="Slalom Sans Light" pitchFamily="2" charset="77"/>
-                <a:cs typeface="SlalomSans-Light"/>
-              </a:rPr>
-              <a:t>ius</a:t>
-            </a:r>
-            <a:r>
-              <a:rPr sz="1100" dirty="0">
-                <a:solidFill>
-                  <a:srgbClr val="151527"/>
-                </a:solidFill>
-                <a:latin typeface="Slalom Sans Light" pitchFamily="2" charset="77"/>
-                <a:cs typeface="SlalomSans-Light"/>
-              </a:rPr>
-              <a:t> </a:t>
-            </a:r>
-            <a:r>
-              <a:rPr sz="1100" dirty="0" err="1">
-                <a:solidFill>
-                  <a:srgbClr val="151527"/>
-                </a:solidFill>
-                <a:latin typeface="Slalom Sans Light" pitchFamily="2" charset="77"/>
-                <a:cs typeface="SlalomSans-Light"/>
-              </a:rPr>
-              <a:t>consequ</a:t>
-            </a:r>
-            <a:r>
-              <a:rPr sz="1100" dirty="0">
-                <a:solidFill>
-                  <a:srgbClr val="151527"/>
-                </a:solidFill>
-                <a:latin typeface="Slalom Sans Light" pitchFamily="2" charset="77"/>
-                <a:cs typeface="SlalomSans-Light"/>
-              </a:rPr>
-              <a:t> </a:t>
-            </a:r>
-            <a:r>
-              <a:rPr sz="1100" dirty="0" err="1">
-                <a:solidFill>
-                  <a:srgbClr val="151527"/>
-                </a:solidFill>
-                <a:latin typeface="Slalom Sans Light" pitchFamily="2" charset="77"/>
-                <a:cs typeface="SlalomSans-Light"/>
-              </a:rPr>
-              <a:t>osseritem</a:t>
-            </a:r>
-            <a:r>
-              <a:rPr sz="1100" dirty="0">
-                <a:solidFill>
-                  <a:srgbClr val="151527"/>
-                </a:solidFill>
-                <a:latin typeface="Slalom Sans Light" pitchFamily="2" charset="77"/>
-                <a:cs typeface="SlalomSans-Light"/>
-              </a:rPr>
-              <a:t> </a:t>
-            </a:r>
-            <a:r>
-              <a:rPr sz="1100" dirty="0" err="1">
-                <a:solidFill>
-                  <a:srgbClr val="151527"/>
-                </a:solidFill>
-                <a:latin typeface="Slalom Sans Light" pitchFamily="2" charset="77"/>
-                <a:cs typeface="SlalomSans-Light"/>
-              </a:rPr>
-              <a:t>quis</a:t>
-            </a:r>
-            <a:r>
-              <a:rPr sz="1100" dirty="0">
-                <a:solidFill>
-                  <a:srgbClr val="151527"/>
-                </a:solidFill>
-                <a:latin typeface="Slalom Sans Light" pitchFamily="2" charset="77"/>
-                <a:cs typeface="SlalomSans-Light"/>
-              </a:rPr>
-              <a:t> </a:t>
-            </a:r>
-            <a:r>
-              <a:rPr sz="1100" dirty="0" err="1">
-                <a:solidFill>
-                  <a:srgbClr val="151527"/>
-                </a:solidFill>
-                <a:latin typeface="Slalom Sans Light" pitchFamily="2" charset="77"/>
-                <a:cs typeface="SlalomSans-Light"/>
-              </a:rPr>
-              <a:t>eium</a:t>
-            </a:r>
-            <a:r>
-              <a:rPr sz="1100" dirty="0">
-                <a:solidFill>
-                  <a:srgbClr val="151527"/>
-                </a:solidFill>
-                <a:latin typeface="Slalom Sans Light" pitchFamily="2" charset="77"/>
-                <a:cs typeface="SlalomSans-Light"/>
-              </a:rPr>
-              <a:t>  </a:t>
-            </a:r>
-            <a:r>
-              <a:rPr sz="1100" dirty="0" err="1">
-                <a:solidFill>
-                  <a:srgbClr val="151527"/>
-                </a:solidFill>
-                <a:latin typeface="Slalom Sans Light" pitchFamily="2" charset="77"/>
-                <a:cs typeface="SlalomSans-Light"/>
-              </a:rPr>
-              <a:t>faceperibus</a:t>
-            </a:r>
-            <a:r>
-              <a:rPr sz="1100" dirty="0">
-                <a:solidFill>
-                  <a:srgbClr val="151527"/>
-                </a:solidFill>
-                <a:latin typeface="Slalom Sans Light" pitchFamily="2" charset="77"/>
-                <a:cs typeface="SlalomSans-Light"/>
-              </a:rPr>
-              <a:t> re lab il </a:t>
-            </a:r>
-            <a:r>
-              <a:rPr sz="1100" dirty="0" err="1">
-                <a:solidFill>
-                  <a:srgbClr val="151527"/>
-                </a:solidFill>
-                <a:latin typeface="Slalom Sans Light" pitchFamily="2" charset="77"/>
-                <a:cs typeface="SlalomSans-Light"/>
-              </a:rPr>
-              <a:t>idi</a:t>
-            </a:r>
-            <a:r>
-              <a:rPr sz="1100" dirty="0">
-                <a:solidFill>
-                  <a:srgbClr val="151527"/>
-                </a:solidFill>
-                <a:latin typeface="Slalom Sans Light" pitchFamily="2" charset="77"/>
-                <a:cs typeface="SlalomSans-Light"/>
-              </a:rPr>
-              <a:t> </a:t>
-            </a:r>
-            <a:r>
-              <a:rPr sz="1100" dirty="0" err="1">
-                <a:solidFill>
-                  <a:srgbClr val="151527"/>
-                </a:solidFill>
-                <a:latin typeface="Slalom Sans Light" pitchFamily="2" charset="77"/>
-                <a:cs typeface="SlalomSans-Light"/>
-              </a:rPr>
-              <a:t>reratem</a:t>
-            </a:r>
-            <a:r>
-              <a:rPr sz="1100" dirty="0">
-                <a:solidFill>
-                  <a:srgbClr val="151527"/>
-                </a:solidFill>
-                <a:latin typeface="Slalom Sans Light" pitchFamily="2" charset="77"/>
-                <a:cs typeface="SlalomSans-Light"/>
-              </a:rPr>
-              <a:t> ipsum.</a:t>
-            </a:r>
-            <a:endParaRPr sz="1100" dirty="0">
-              <a:latin typeface="Slalom Sans Light" pitchFamily="2" charset="77"/>
-              <a:cs typeface="SlalomSans-Light"/>
-            </a:endParaRPr>
+              <a:t>Rollbacks upon failures</a:t>
+            </a:r>
           </a:p>
         </p:txBody>
       </p:sp>
     </p:spTree>
     <p:extLst>
       <p:ext uri="{BB962C8B-B14F-4D97-AF65-F5344CB8AC3E}">
-        <p14:creationId xmlns:p14="http://schemas.microsoft.com/office/powerpoint/2010/main" val="582424817"/>
+        <p14:creationId xmlns:p14="http://schemas.microsoft.com/office/powerpoint/2010/main" val="463543710"/>
       </p:ext>
     </p:extLst>
   </p:cSld>
@@ -9370,6 +7146,382 @@
       </p:grpSpPr>
       <p:sp>
         <p:nvSpPr>
+          <p:cNvPr id="4" name="Slide Number Placeholder 3"/>
+          <p:cNvSpPr>
+            <a:spLocks noGrp="1"/>
+          </p:cNvSpPr>
+          <p:nvPr>
+            <p:ph type="sldNum" sz="quarter" idx="12"/>
+          </p:nvPr>
+        </p:nvSpPr>
+        <p:spPr/>
+        <p:txBody>
+          <a:bodyPr/>
+          <a:lstStyle/>
+          <a:p>
+            <a:fld id="{D89D76C3-A5A9-4168-BE2E-6A3D1757D92E}" type="slidenum">
+              <a:rPr lang="en-GB" smtClean="0"/>
+              <a:pPr/>
+              <a:t>5</a:t>
+            </a:fld>
+            <a:endParaRPr lang="en-GB"/>
+          </a:p>
+        </p:txBody>
+      </p:sp>
+      <p:sp>
+        <p:nvSpPr>
+          <p:cNvPr id="5" name="object 2"/>
+          <p:cNvSpPr txBox="1">
+            <a:spLocks/>
+          </p:cNvSpPr>
+          <p:nvPr/>
+        </p:nvSpPr>
+        <p:spPr>
+          <a:xfrm>
+            <a:off x="601740" y="1204524"/>
+            <a:ext cx="9267817" cy="1700158"/>
+          </a:xfrm>
+          <a:prstGeom prst="rect">
+            <a:avLst/>
+          </a:prstGeom>
+        </p:spPr>
+        <p:txBody>
+          <a:bodyPr vert="horz" wrap="square" lIns="0" tIns="7315" rIns="0" bIns="0" rtlCol="0">
+            <a:noAutofit/>
+          </a:bodyPr>
+          <a:lstStyle>
+            <a:lvl1pPr algn="l" defTabSz="914400" rtl="0" eaLnBrk="1" latinLnBrk="0" hangingPunct="1">
+              <a:lnSpc>
+                <a:spcPct val="90000"/>
+              </a:lnSpc>
+              <a:spcBef>
+                <a:spcPct val="0"/>
+              </a:spcBef>
+              <a:buNone/>
+              <a:defRPr sz="4400" kern="1000" spc="-10" baseline="0">
+                <a:solidFill>
+                  <a:schemeClr val="accent2"/>
+                </a:solidFill>
+                <a:latin typeface="Slalom Sans Bold" panose="00000800000000000000" pitchFamily="50" charset="0"/>
+                <a:ea typeface="+mj-ea"/>
+                <a:cs typeface="+mj-cs"/>
+              </a:defRPr>
+            </a:lvl1pPr>
+          </a:lstStyle>
+          <a:p>
+            <a:pPr marL="7700" marR="16170">
+              <a:lnSpc>
+                <a:spcPct val="100200"/>
+              </a:lnSpc>
+              <a:spcBef>
+                <a:spcPts val="58"/>
+              </a:spcBef>
+            </a:pPr>
+            <a:r>
+              <a:rPr lang="en-GB" sz="5500" spc="-150" dirty="0">
+                <a:solidFill>
+                  <a:srgbClr val="151527"/>
+                </a:solidFill>
+              </a:rPr>
+              <a:t>Benefits vs Cost Analysis</a:t>
+            </a:r>
+          </a:p>
+        </p:txBody>
+      </p:sp>
+      <p:sp>
+        <p:nvSpPr>
+          <p:cNvPr id="10" name="Footer Placeholder 1">
+            <a:extLst>
+              <a:ext uri="{FF2B5EF4-FFF2-40B4-BE49-F238E27FC236}">
+                <a16:creationId xmlns:a16="http://schemas.microsoft.com/office/drawing/2014/main" id="{437D13C3-C22F-2547-ADAD-E67DC8B8E805}"/>
+              </a:ext>
+            </a:extLst>
+          </p:cNvPr>
+          <p:cNvSpPr>
+            <a:spLocks noGrp="1"/>
+          </p:cNvSpPr>
+          <p:nvPr>
+            <p:ph type="ftr" sz="quarter" idx="11"/>
+          </p:nvPr>
+        </p:nvSpPr>
+        <p:spPr>
+          <a:xfrm>
+            <a:off x="609600" y="6330689"/>
+            <a:ext cx="4013200" cy="365125"/>
+          </a:xfrm>
+        </p:spPr>
+        <p:txBody>
+          <a:bodyPr/>
+          <a:lstStyle/>
+          <a:p>
+            <a:r>
+              <a:rPr lang="en-US" dirty="0"/>
+              <a:t>© 2021 Slalom, LLC CONFIDENTIAL &amp; PROPRIETARY</a:t>
+            </a:r>
+          </a:p>
+        </p:txBody>
+      </p:sp>
+      <p:sp>
+        <p:nvSpPr>
+          <p:cNvPr id="8" name="object 4">
+            <a:extLst>
+              <a:ext uri="{FF2B5EF4-FFF2-40B4-BE49-F238E27FC236}">
+                <a16:creationId xmlns:a16="http://schemas.microsoft.com/office/drawing/2014/main" id="{86DCC907-B0A6-FC4B-895C-6C449115279D}"/>
+              </a:ext>
+            </a:extLst>
+          </p:cNvPr>
+          <p:cNvSpPr txBox="1"/>
+          <p:nvPr/>
+        </p:nvSpPr>
+        <p:spPr>
+          <a:xfrm>
+            <a:off x="601740" y="3001618"/>
+            <a:ext cx="8717751" cy="2270164"/>
+          </a:xfrm>
+          <a:prstGeom prst="rect">
+            <a:avLst/>
+          </a:prstGeom>
+        </p:spPr>
+        <p:txBody>
+          <a:bodyPr vert="horz" wrap="square" lIns="0" tIns="9625" rIns="0" bIns="0" rtlCol="0">
+            <a:noAutofit/>
+          </a:bodyPr>
+          <a:lstStyle/>
+          <a:p>
+            <a:pPr marL="7700">
+              <a:spcBef>
+                <a:spcPts val="76"/>
+              </a:spcBef>
+            </a:pPr>
+            <a:r>
+              <a:rPr lang="en-US" sz="1400" b="1" dirty="0">
+                <a:solidFill>
+                  <a:srgbClr val="151527"/>
+                </a:solidFill>
+                <a:latin typeface="Slalom Sans Bold"/>
+                <a:cs typeface="Slalom Sans Bold"/>
+              </a:rPr>
+              <a:t>Benefits to </a:t>
+            </a:r>
+            <a:r>
+              <a:rPr lang="en-US" sz="1400" b="1" dirty="0" err="1">
+                <a:solidFill>
+                  <a:srgbClr val="151527"/>
+                </a:solidFill>
+                <a:latin typeface="Slalom Sans Bold"/>
+                <a:cs typeface="Slalom Sans Bold"/>
+              </a:rPr>
+              <a:t>UdaPeople</a:t>
+            </a:r>
+            <a:endParaRPr lang="en-US" sz="1400" b="1" dirty="0">
+              <a:solidFill>
+                <a:srgbClr val="151527"/>
+              </a:solidFill>
+              <a:latin typeface="Slalom Sans Bold"/>
+              <a:cs typeface="Slalom Sans Bold"/>
+            </a:endParaRPr>
+          </a:p>
+          <a:p>
+            <a:pPr marL="179150" marR="44275" indent="-171450">
+              <a:lnSpc>
+                <a:spcPct val="130000"/>
+              </a:lnSpc>
+              <a:spcBef>
+                <a:spcPts val="700"/>
+              </a:spcBef>
+              <a:buFont typeface="Arial" panose="020B0604020202020204" pitchFamily="34" charset="0"/>
+              <a:buChar char="•"/>
+            </a:pPr>
+            <a:r>
+              <a:rPr lang="en-US" sz="1400" dirty="0">
+                <a:solidFill>
+                  <a:srgbClr val="151527"/>
+                </a:solidFill>
+                <a:latin typeface="Slalom Sans Light" pitchFamily="2" charset="77"/>
+                <a:cs typeface="SlalomSans-Light"/>
+              </a:rPr>
+              <a:t>Quicker code merge -&gt; </a:t>
+            </a:r>
+            <a:r>
+              <a:rPr lang="en-US" sz="1400" b="1" dirty="0">
+                <a:solidFill>
+                  <a:srgbClr val="151527"/>
+                </a:solidFill>
+                <a:latin typeface="Slalom Sans Light Italic" pitchFamily="2" charset="77"/>
+                <a:cs typeface="SlalomSans-Light"/>
+              </a:rPr>
+              <a:t>reduce costs, increase revenue</a:t>
+            </a:r>
+          </a:p>
+          <a:p>
+            <a:pPr marL="179150" marR="44275" indent="-171450">
+              <a:lnSpc>
+                <a:spcPct val="130000"/>
+              </a:lnSpc>
+              <a:spcBef>
+                <a:spcPts val="700"/>
+              </a:spcBef>
+              <a:buFont typeface="Arial" panose="020B0604020202020204" pitchFamily="34" charset="0"/>
+              <a:buChar char="•"/>
+            </a:pPr>
+            <a:r>
+              <a:rPr lang="en-US" sz="1400" dirty="0">
+                <a:solidFill>
+                  <a:srgbClr val="151527"/>
+                </a:solidFill>
+                <a:latin typeface="Slalom Sans Light" pitchFamily="2" charset="77"/>
+                <a:cs typeface="SlalomSans-Light"/>
+              </a:rPr>
+              <a:t>Quicker error detection upon merge -&gt; </a:t>
+            </a:r>
+            <a:r>
+              <a:rPr lang="en-US" sz="1400" b="1" dirty="0">
+                <a:solidFill>
+                  <a:srgbClr val="151527"/>
+                </a:solidFill>
+                <a:latin typeface="Slalom Sans Light Italic" pitchFamily="2" charset="77"/>
+                <a:cs typeface="SlalomSans-Light"/>
+              </a:rPr>
+              <a:t>control costs</a:t>
+            </a:r>
+          </a:p>
+          <a:p>
+            <a:pPr marL="179150" marR="44275" indent="-171450">
+              <a:lnSpc>
+                <a:spcPct val="130000"/>
+              </a:lnSpc>
+              <a:spcBef>
+                <a:spcPts val="700"/>
+              </a:spcBef>
+              <a:buFont typeface="Arial" panose="020B0604020202020204" pitchFamily="34" charset="0"/>
+              <a:buChar char="•"/>
+            </a:pPr>
+            <a:r>
+              <a:rPr lang="en-US" sz="1400" dirty="0">
+                <a:solidFill>
+                  <a:srgbClr val="151527"/>
+                </a:solidFill>
+                <a:latin typeface="Slalom Sans Light" pitchFamily="2" charset="77"/>
+                <a:cs typeface="SlalomSans-Light"/>
+              </a:rPr>
+              <a:t>More streamlined code compilation process -&gt; </a:t>
+            </a:r>
+            <a:r>
+              <a:rPr lang="en-US" sz="1400" b="1" dirty="0">
+                <a:solidFill>
+                  <a:srgbClr val="151527"/>
+                </a:solidFill>
+                <a:latin typeface="Slalom Sans Light Italic" pitchFamily="2" charset="77"/>
+                <a:cs typeface="SlalomSans-Light"/>
+              </a:rPr>
+              <a:t>reduce costs, increase revenue</a:t>
+            </a:r>
+          </a:p>
+          <a:p>
+            <a:pPr marL="179150" marR="44275" indent="-171450">
+              <a:lnSpc>
+                <a:spcPct val="130000"/>
+              </a:lnSpc>
+              <a:spcBef>
+                <a:spcPts val="700"/>
+              </a:spcBef>
+              <a:buFont typeface="Arial" panose="020B0604020202020204" pitchFamily="34" charset="0"/>
+              <a:buChar char="•"/>
+            </a:pPr>
+            <a:r>
+              <a:rPr lang="en-US" sz="1400" dirty="0">
+                <a:solidFill>
+                  <a:srgbClr val="151527"/>
+                </a:solidFill>
+                <a:latin typeface="Slalom Sans Light" pitchFamily="2" charset="77"/>
+                <a:cs typeface="SlalomSans-Light"/>
+              </a:rPr>
+              <a:t>Quicker feature development and implementation -&gt; </a:t>
+            </a:r>
+            <a:r>
+              <a:rPr lang="en-US" sz="1400" b="1" dirty="0">
+                <a:solidFill>
+                  <a:srgbClr val="151527"/>
+                </a:solidFill>
+                <a:latin typeface="Slalom Sans Light Italic" pitchFamily="2" charset="77"/>
+                <a:cs typeface="SlalomSans-Light"/>
+              </a:rPr>
+              <a:t>increase revenue</a:t>
+            </a:r>
+          </a:p>
+          <a:p>
+            <a:pPr marL="179150" marR="44275" indent="-171450">
+              <a:lnSpc>
+                <a:spcPct val="130000"/>
+              </a:lnSpc>
+              <a:spcBef>
+                <a:spcPts val="700"/>
+              </a:spcBef>
+              <a:buFont typeface="Arial" panose="020B0604020202020204" pitchFamily="34" charset="0"/>
+              <a:buChar char="•"/>
+            </a:pPr>
+            <a:r>
+              <a:rPr lang="en-US" sz="1400" dirty="0">
+                <a:solidFill>
+                  <a:srgbClr val="151527"/>
+                </a:solidFill>
+                <a:latin typeface="Slalom Sans Light" pitchFamily="2" charset="77"/>
+                <a:cs typeface="SlalomSans-Light"/>
+              </a:rPr>
+              <a:t>Rollbacks upon failures -&gt; control costs, </a:t>
+            </a:r>
+            <a:r>
+              <a:rPr lang="en-US" sz="1400" b="1" dirty="0">
+                <a:solidFill>
+                  <a:srgbClr val="151527"/>
+                </a:solidFill>
+                <a:latin typeface="Slalom Sans Light Italic" pitchFamily="2" charset="77"/>
+                <a:cs typeface="SlalomSans-Light"/>
+              </a:rPr>
+              <a:t>protect revenue</a:t>
+            </a:r>
+            <a:endParaRPr lang="en-US" sz="1400" b="1" dirty="0">
+              <a:solidFill>
+                <a:srgbClr val="151527"/>
+              </a:solidFill>
+              <a:latin typeface="Slalom Sans Light Italic" pitchFamily="2" charset="77"/>
+              <a:cs typeface="SlalomSans-Light"/>
+            </a:endParaRPr>
+          </a:p>
+        </p:txBody>
+      </p:sp>
+    </p:spTree>
+    <p:extLst>
+      <p:ext uri="{BB962C8B-B14F-4D97-AF65-F5344CB8AC3E}">
+        <p14:creationId xmlns:p14="http://schemas.microsoft.com/office/powerpoint/2010/main" val="582424817"/>
+      </p:ext>
+    </p:extLst>
+  </p:cSld>
+  <p:clrMapOvr>
+    <a:masterClrMapping/>
+  </p:clrMapOvr>
+</p:sld>
+</file>
+
+<file path=ppt/slides/slide6.xml><?xml version="1.0" encoding="utf-8"?>
+<p:sld xmlns:a="http://schemas.openxmlformats.org/drawingml/2006/main" xmlns:r="http://schemas.openxmlformats.org/officeDocument/2006/relationships" xmlns:p="http://schemas.openxmlformats.org/presentationml/2006/main">
+  <p:cSld>
+    <p:spTree>
+      <p:nvGrpSpPr>
+        <p:cNvPr id="1" name=""/>
+        <p:cNvGrpSpPr/>
+        <p:nvPr/>
+      </p:nvGrpSpPr>
+      <p:grpSpPr>
+        <a:xfrm>
+          <a:off x="0" y="0"/>
+          <a:ext cx="0" cy="0"/>
+          <a:chOff x="0" y="0"/>
+          <a:chExt cx="0" cy="0"/>
+        </a:xfrm>
+      </p:grpSpPr>
+      <p:sp>
+        <p:nvSpPr>
           <p:cNvPr id="2" name="Footer Placeholder 1"/>
           <p:cNvSpPr>
             <a:spLocks noGrp="1"/>
@@ -9591,12 +7743,27 @@
               </a:spcBef>
             </a:pPr>
             <a:r>
-              <a:rPr lang="en-GB" sz="7003" spc="-150">
+              <a:rPr lang="en-GB" sz="7003" spc="-150" dirty="0">
                 <a:solidFill>
                   <a:schemeClr val="bg1"/>
                 </a:solidFill>
               </a:rPr>
-              <a:t>Introduction</a:t>
+              <a:t>Thank you!</a:t>
+            </a:r>
+          </a:p>
+          <a:p>
+            <a:pPr marL="7700">
+              <a:spcBef>
+                <a:spcPts val="55"/>
+              </a:spcBef>
+            </a:pPr>
+            <a:r>
+              <a:rPr lang="en-GB" sz="7003" spc="-150" dirty="0">
+                <a:solidFill>
+                  <a:schemeClr val="bg1"/>
+                </a:solidFill>
+              </a:rPr>
+              <a:t>Questions?</a:t>
             </a:r>
           </a:p>
         </p:txBody>
@@ -10166,12 +8333,6 @@
 </file>
 
 <file path=customXml/item1.xml><?xml version="1.0" encoding="utf-8"?>
-<p:properties xmlns:p="http://schemas.microsoft.com/office/2006/metadata/properties" xmlns:xsi="http://www.w3.org/2001/XMLSchema-instance" xmlns:pc="http://schemas.microsoft.com/office/infopath/2007/PartnerControls">
-  <documentManagement/>
-</p:properties>
-</file>
-
-<file path=customXml/item2.xml><?xml version="1.0" encoding="utf-8"?>
 <ct:contentTypeSchema xmlns:ct="http://schemas.microsoft.com/office/2006/metadata/contentType" xmlns:ma="http://schemas.microsoft.com/office/2006/metadata/properties/metaAttributes" ct:_="" ma:_="" ma:contentTypeName="Document" ma:contentTypeID="0x0101002106D8940D7E474C81206741DFF1A187" ma:contentTypeVersion="2" ma:contentTypeDescription="Create a new document." ma:contentTypeScope="" ma:versionID="4a7cea56504639e33412c5f5b9fc44f5">
   <xsd:schema xmlns:xsd="http://www.w3.org/2001/XMLSchema" xmlns:xs="http://www.w3.org/2001/XMLSchema" xmlns:p="http://schemas.microsoft.com/office/2006/metadata/properties" xmlns:ns2="688f81b3-add1-4848-9903-9e79280bdbc2" targetNamespace="http://schemas.microsoft.com/office/2006/metadata/properties" ma:root="true" ma:fieldsID="fca95ec89f486fa20a116f523121f4f8" ns2:_="">
     <xsd:import namespace="688f81b3-add1-4848-9903-9e79280bdbc2"/>
@@ -10303,6 +8464,12 @@
 </ct:contentTypeSchema>
 </file>
 
+<file path=customXml/item2.xml><?xml version="1.0" encoding="utf-8"?>
+<p:properties xmlns:p="http://schemas.microsoft.com/office/2006/metadata/properties" xmlns:xsi="http://www.w3.org/2001/XMLSchema-instance" xmlns:pc="http://schemas.microsoft.com/office/infopath/2007/PartnerControls">
+  <documentManagement/>
+</p:properties>
+</file>
+
 <file path=customXml/item3.xml><?xml version="1.0" encoding="utf-8"?>
 <?mso-contentType ?>
 <FormTemplates xmlns="http://schemas.microsoft.com/sharepoint/v3/contenttype/forms">
@@ -10313,22 +8480,6 @@
 </file>
 
 <file path=customXml/itemProps1.xml><?xml version="1.0" encoding="utf-8"?>
-<ds:datastoreItem xmlns:ds="http://schemas.openxmlformats.org/officeDocument/2006/customXml" ds:itemID="{FE7B5F0C-13AD-49D2-9545-53DD10300E5D}">
-  <ds:schemaRefs>
-    <ds:schemaRef ds:uri="http://purl.org/dc/dcmitype/"/>
-    <ds:schemaRef ds:uri="http://schemas.microsoft.com/office/2006/documentManagement/types"/>
-    <ds:schemaRef ds:uri="http://www.w3.org/XML/1998/namespace"/>
-    <ds:schemaRef ds:uri="688f81b3-add1-4848-9903-9e79280bdbc2"/>
-    <ds:schemaRef ds:uri="http://schemas.microsoft.com/office/2006/metadata/properties"/>
-    <ds:schemaRef ds:uri="http://purl.org/dc/elements/1.1/"/>
-    <ds:schemaRef ds:uri="http://purl.org/dc/terms/"/>
-    <ds:schemaRef ds:uri="http://schemas.microsoft.com/office/infopath/2007/PartnerControls"/>
-    <ds:schemaRef ds:uri="http://schemas.openxmlformats.org/package/2006/metadata/core-properties"/>
-  </ds:schemaRefs>
-</ds:datastoreItem>
-</file>
-
-<file path=customXml/itemProps2.xml><?xml version="1.0" encoding="utf-8"?>
 <ds:datastoreItem xmlns:ds="http://schemas.openxmlformats.org/officeDocument/2006/customXml" ds:itemID="{345B7BB3-E76E-4AF0-925F-98C0CCE548AB}">
   <ds:schemaRefs>
     <ds:schemaRef ds:uri="http://schemas.microsoft.com/office/2006/metadata/contentType"/>
@@ -10346,6 +8497,22 @@
 </ds:datastoreItem>
 </file>
 
+<file path=customXml/itemProps2.xml><?xml version="1.0" encoding="utf-8"?>
+<ds:datastoreItem xmlns:ds="http://schemas.openxmlformats.org/officeDocument/2006/customXml" ds:itemID="{FE7B5F0C-13AD-49D2-9545-53DD10300E5D}">
+  <ds:schemaRefs>
+    <ds:schemaRef ds:uri="http://purl.org/dc/dcmitype/"/>
+    <ds:schemaRef ds:uri="http://schemas.microsoft.com/office/2006/documentManagement/types"/>
+    <ds:schemaRef ds:uri="http://www.w3.org/XML/1998/namespace"/>
+    <ds:schemaRef ds:uri="688f81b3-add1-4848-9903-9e79280bdbc2"/>
+    <ds:schemaRef ds:uri="http://schemas.microsoft.com/office/2006/metadata/properties"/>
+    <ds:schemaRef ds:uri="http://purl.org/dc/elements/1.1/"/>
+    <ds:schemaRef ds:uri="http://purl.org/dc/terms/"/>
+    <ds:schemaRef ds:uri="http://schemas.microsoft.com/office/infopath/2007/PartnerControls"/>
+    <ds:schemaRef ds:uri="http://schemas.openxmlformats.org/package/2006/metadata/core-properties"/>
+  </ds:schemaRefs>
+</ds:datastoreItem>
+</file>
+
 <file path=customXml/itemProps3.xml><?xml version="1.0" encoding="utf-8"?>
 <ds:datastoreItem xmlns:ds="http://schemas.openxmlformats.org/officeDocument/2006/customXml" ds:itemID="{8129816E-A34A-478F-BB60-AA115C97BCCA}">
   <ds:schemaRefs>
